--- a/Project Presentation-Tural Mehtiyev.pptx
+++ b/Project Presentation-Tural Mehtiyev.pptx
@@ -9,17 +9,14 @@
     <p:sldId id="279" r:id="rId3"/>
     <p:sldId id="260" r:id="rId4"/>
     <p:sldId id="262" r:id="rId5"/>
-    <p:sldId id="269" r:id="rId6"/>
-    <p:sldId id="270" r:id="rId7"/>
-    <p:sldId id="271" r:id="rId8"/>
-    <p:sldId id="272" r:id="rId9"/>
-    <p:sldId id="273" r:id="rId10"/>
-    <p:sldId id="283" r:id="rId11"/>
-    <p:sldId id="282" r:id="rId12"/>
-    <p:sldId id="281" r:id="rId13"/>
-    <p:sldId id="286" r:id="rId14"/>
-    <p:sldId id="288" r:id="rId15"/>
-    <p:sldId id="289" r:id="rId16"/>
+    <p:sldId id="272" r:id="rId6"/>
+    <p:sldId id="273" r:id="rId7"/>
+    <p:sldId id="283" r:id="rId8"/>
+    <p:sldId id="282" r:id="rId9"/>
+    <p:sldId id="281" r:id="rId10"/>
+    <p:sldId id="286" r:id="rId11"/>
+    <p:sldId id="288" r:id="rId12"/>
+    <p:sldId id="289" r:id="rId13"/>
   </p:sldIdLst>
   <p:sldSz cx="9144000" cy="5143500" type="screen16x9"/>
   <p:notesSz cx="9144000" cy="5143500"/>
@@ -1963,971 +1960,6 @@
 </file>
 
 <file path=ppt/slides/slide10.xml><?xml version="1.0" encoding="utf-8"?>
-<p:sld xmlns:a="http://schemas.openxmlformats.org/drawingml/2006/main" xmlns:r="http://schemas.openxmlformats.org/officeDocument/2006/relationships" xmlns:p="http://schemas.openxmlformats.org/presentationml/2006/main">
-  <p:cSld>
-    <p:spTree>
-      <p:nvGrpSpPr>
-        <p:cNvPr id="1" name=""/>
-        <p:cNvGrpSpPr/>
-        <p:nvPr/>
-      </p:nvGrpSpPr>
-      <p:grpSpPr>
-        <a:xfrm>
-          <a:off x="0" y="0"/>
-          <a:ext cx="0" cy="0"/>
-          <a:chOff x="0" y="0"/>
-          <a:chExt cx="0" cy="0"/>
-        </a:xfrm>
-      </p:grpSpPr>
-      <p:sp>
-        <p:nvSpPr>
-          <p:cNvPr id="2" name="Title 1">
-            <a:extLst>
-              <a:ext uri="{FF2B5EF4-FFF2-40B4-BE49-F238E27FC236}">
-                <a16:creationId xmlns:a16="http://schemas.microsoft.com/office/drawing/2014/main" id="{353742A6-75FD-4EC6-8A58-4683CD99775E}"/>
-              </a:ext>
-            </a:extLst>
-          </p:cNvPr>
-          <p:cNvSpPr>
-            <a:spLocks noGrp="1"/>
-          </p:cNvSpPr>
-          <p:nvPr>
-            <p:ph type="title"/>
-          </p:nvPr>
-        </p:nvSpPr>
-        <p:spPr>
-          <a:xfrm>
-            <a:off x="384725" y="505248"/>
-            <a:ext cx="8073475" cy="738664"/>
-          </a:xfrm>
-        </p:spPr>
-        <p:txBody>
-          <a:bodyPr/>
-          <a:lstStyle/>
-          <a:p>
-            <a:r>
-              <a:rPr lang="en-US" sz="2400" b="1" dirty="0"/>
-              <a:t>What is </a:t>
-            </a:r>
-            <a:r>
-              <a:rPr lang="en-US" sz="2400" b="1" u="sng" dirty="0"/>
-              <a:t>Function Calling </a:t>
-            </a:r>
-            <a:r>
-              <a:rPr lang="en-US" sz="2400" b="1" dirty="0"/>
-              <a:t>in LLMs and Why it is useful?</a:t>
-            </a:r>
-          </a:p>
-        </p:txBody>
-      </p:sp>
-      <p:sp>
-        <p:nvSpPr>
-          <p:cNvPr id="3" name="TextBox 2">
-            <a:extLst>
-              <a:ext uri="{FF2B5EF4-FFF2-40B4-BE49-F238E27FC236}">
-                <a16:creationId xmlns:a16="http://schemas.microsoft.com/office/drawing/2014/main" id="{CA0F5FD9-4AC4-4E92-9DB9-03B3AA96178A}"/>
-              </a:ext>
-            </a:extLst>
-          </p:cNvPr>
-          <p:cNvSpPr txBox="1"/>
-          <p:nvPr/>
-        </p:nvSpPr>
-        <p:spPr>
-          <a:xfrm>
-            <a:off x="380525" y="1352550"/>
-            <a:ext cx="7620000" cy="2031325"/>
-          </a:xfrm>
-          <a:prstGeom prst="rect">
-            <a:avLst/>
-          </a:prstGeom>
-          <a:noFill/>
-        </p:spPr>
-        <p:txBody>
-          <a:bodyPr wrap="square" rtlCol="0">
-            <a:spAutoFit/>
-          </a:bodyPr>
-          <a:lstStyle/>
-          <a:p>
-            <a:pPr marL="742950" lvl="1" indent="-285750" algn="l">
-              <a:buFont typeface="+mj-lt"/>
-              <a:buAutoNum type="arabicPeriod"/>
-            </a:pPr>
-            <a:r>
-              <a:rPr lang="en-US" b="0" i="0" dirty="0">
-                <a:solidFill>
-                  <a:srgbClr val="374151"/>
-                </a:solidFill>
-                <a:effectLst/>
-                <a:latin typeface="Söhne"/>
-              </a:rPr>
-              <a:t>Function calling in LLMs like GPT-3.5 and GPT-4 refers to the ability to execute user-defined functions within the natural language processing framework.</a:t>
-            </a:r>
-          </a:p>
-          <a:p>
-            <a:pPr marL="742950" lvl="1" indent="-285750" algn="l">
-              <a:buFont typeface="+mj-lt"/>
-              <a:buAutoNum type="arabicPeriod"/>
-            </a:pPr>
-            <a:endParaRPr lang="en-US" b="0" i="0" dirty="0">
-              <a:solidFill>
-                <a:srgbClr val="374151"/>
-              </a:solidFill>
-              <a:effectLst/>
-              <a:latin typeface="Söhne"/>
-            </a:endParaRPr>
-          </a:p>
-          <a:p>
-            <a:pPr marL="742950" lvl="1" indent="-285750" algn="l">
-              <a:buFont typeface="+mj-lt"/>
-              <a:buAutoNum type="arabicPeriod"/>
-            </a:pPr>
-            <a:r>
-              <a:rPr lang="en-US" b="0" i="0" dirty="0">
-                <a:solidFill>
-                  <a:srgbClr val="374151"/>
-                </a:solidFill>
-                <a:effectLst/>
-                <a:latin typeface="Söhne"/>
-              </a:rPr>
-              <a:t>This capability allows the model to understand and act on specific prompts that resemble function-like instructions to return structured data.</a:t>
-            </a:r>
-          </a:p>
-        </p:txBody>
-      </p:sp>
-      <p:sp>
-        <p:nvSpPr>
-          <p:cNvPr id="4" name="TextBox 3">
-            <a:extLst>
-              <a:ext uri="{FF2B5EF4-FFF2-40B4-BE49-F238E27FC236}">
-                <a16:creationId xmlns:a16="http://schemas.microsoft.com/office/drawing/2014/main" id="{1BB212F7-F99B-4C15-B178-23BD472335AA}"/>
-              </a:ext>
-            </a:extLst>
-          </p:cNvPr>
-          <p:cNvSpPr txBox="1"/>
-          <p:nvPr/>
-        </p:nvSpPr>
-        <p:spPr>
-          <a:xfrm>
-            <a:off x="1904524" y="3714750"/>
-            <a:ext cx="5791675" cy="646331"/>
-          </a:xfrm>
-          <a:prstGeom prst="rect">
-            <a:avLst/>
-          </a:prstGeom>
-          <a:noFill/>
-          <a:ln w="38100">
-            <a:solidFill>
-              <a:schemeClr val="tx1"/>
-            </a:solidFill>
-          </a:ln>
-        </p:spPr>
-        <p:txBody>
-          <a:bodyPr wrap="square">
-            <a:spAutoFit/>
-          </a:bodyPr>
-          <a:lstStyle/>
-          <a:p>
-            <a:pPr algn="ctr"/>
-            <a:r>
-              <a:rPr lang="en-US" b="0" i="0" dirty="0">
-                <a:solidFill>
-                  <a:srgbClr val="374151"/>
-                </a:solidFill>
-                <a:effectLst/>
-                <a:latin typeface="Söhne"/>
-              </a:rPr>
-              <a:t>"Why is function calling necessary? Are there alternative solutions?"</a:t>
-            </a:r>
-          </a:p>
-        </p:txBody>
-      </p:sp>
-      <p:sp>
-        <p:nvSpPr>
-          <p:cNvPr id="5" name="TextBox 4">
-            <a:extLst>
-              <a:ext uri="{FF2B5EF4-FFF2-40B4-BE49-F238E27FC236}">
-                <a16:creationId xmlns:a16="http://schemas.microsoft.com/office/drawing/2014/main" id="{56FB06B3-1D2B-4F27-8B55-91AF5EB6DD67}"/>
-              </a:ext>
-            </a:extLst>
-          </p:cNvPr>
-          <p:cNvSpPr txBox="1"/>
-          <p:nvPr/>
-        </p:nvSpPr>
-        <p:spPr>
-          <a:xfrm>
-            <a:off x="384725" y="1352550"/>
-            <a:ext cx="7620000" cy="2031325"/>
-          </a:xfrm>
-          <a:prstGeom prst="rect">
-            <a:avLst/>
-          </a:prstGeom>
-          <a:noFill/>
-        </p:spPr>
-        <p:txBody>
-          <a:bodyPr wrap="square" rtlCol="0">
-            <a:spAutoFit/>
-          </a:bodyPr>
-          <a:lstStyle/>
-          <a:p>
-            <a:pPr marL="742950" lvl="1" indent="-285750" algn="l">
-              <a:buFont typeface="+mj-lt"/>
-              <a:buAutoNum type="arabicPeriod"/>
-            </a:pPr>
-            <a:r>
-              <a:rPr lang="en-US" b="0" i="0" dirty="0">
-                <a:solidFill>
-                  <a:srgbClr val="374151"/>
-                </a:solidFill>
-                <a:effectLst/>
-                <a:latin typeface="Söhne"/>
-              </a:rPr>
-              <a:t>Function calling in LLMs like GPT-3.5 and GPT-4 refers to the ability to execute user-defined functions within the natural language processing framework.</a:t>
-            </a:r>
-          </a:p>
-          <a:p>
-            <a:pPr marL="742950" lvl="1" indent="-285750" algn="l">
-              <a:buFont typeface="+mj-lt"/>
-              <a:buAutoNum type="arabicPeriod"/>
-            </a:pPr>
-            <a:endParaRPr lang="en-US" b="0" i="0" dirty="0">
-              <a:solidFill>
-                <a:srgbClr val="374151"/>
-              </a:solidFill>
-              <a:effectLst/>
-              <a:latin typeface="Söhne"/>
-            </a:endParaRPr>
-          </a:p>
-          <a:p>
-            <a:pPr marL="742950" lvl="1" indent="-285750" algn="l">
-              <a:buFont typeface="+mj-lt"/>
-              <a:buAutoNum type="arabicPeriod"/>
-            </a:pPr>
-            <a:r>
-              <a:rPr lang="en-US" b="0" i="0" dirty="0">
-                <a:solidFill>
-                  <a:srgbClr val="374151"/>
-                </a:solidFill>
-                <a:effectLst/>
-                <a:latin typeface="Söhne"/>
-              </a:rPr>
-              <a:t>This capability allows the model to understand and act on specific prompts that resemble function-like instructions to return structured data.</a:t>
-            </a:r>
-          </a:p>
-        </p:txBody>
-      </p:sp>
-    </p:spTree>
-    <p:extLst>
-      <p:ext uri="{BB962C8B-B14F-4D97-AF65-F5344CB8AC3E}">
-        <p14:creationId xmlns:p14="http://schemas.microsoft.com/office/powerpoint/2010/main" val="1511043205"/>
-      </p:ext>
-    </p:extLst>
-  </p:cSld>
-  <p:clrMapOvr>
-    <a:masterClrMapping/>
-  </p:clrMapOvr>
-</p:sld>
-</file>
-
-<file path=ppt/slides/slide11.xml><?xml version="1.0" encoding="utf-8"?>
-<p:sld xmlns:a="http://schemas.openxmlformats.org/drawingml/2006/main" xmlns:r="http://schemas.openxmlformats.org/officeDocument/2006/relationships" xmlns:p="http://schemas.openxmlformats.org/presentationml/2006/main">
-  <p:cSld>
-    <p:spTree>
-      <p:nvGrpSpPr>
-        <p:cNvPr id="1" name=""/>
-        <p:cNvGrpSpPr/>
-        <p:nvPr/>
-      </p:nvGrpSpPr>
-      <p:grpSpPr>
-        <a:xfrm>
-          <a:off x="0" y="0"/>
-          <a:ext cx="0" cy="0"/>
-          <a:chOff x="0" y="0"/>
-          <a:chExt cx="0" cy="0"/>
-        </a:xfrm>
-      </p:grpSpPr>
-      <p:sp>
-        <p:nvSpPr>
-          <p:cNvPr id="2" name="Title 1">
-            <a:extLst>
-              <a:ext uri="{FF2B5EF4-FFF2-40B4-BE49-F238E27FC236}">
-                <a16:creationId xmlns:a16="http://schemas.microsoft.com/office/drawing/2014/main" id="{353742A6-75FD-4EC6-8A58-4683CD99775E}"/>
-              </a:ext>
-            </a:extLst>
-          </p:cNvPr>
-          <p:cNvSpPr>
-            <a:spLocks noGrp="1"/>
-          </p:cNvSpPr>
-          <p:nvPr>
-            <p:ph type="title"/>
-          </p:nvPr>
-        </p:nvSpPr>
-        <p:spPr>
-          <a:xfrm>
-            <a:off x="304800" y="282029"/>
-            <a:ext cx="7419975" cy="384721"/>
-          </a:xfrm>
-        </p:spPr>
-        <p:txBody>
-          <a:bodyPr/>
-          <a:lstStyle/>
-          <a:p>
-            <a:r>
-              <a:rPr lang="en-US" b="1" dirty="0"/>
-              <a:t>Not </a:t>
-            </a:r>
-            <a:r>
-              <a:rPr lang="en-US" dirty="0"/>
-              <a:t>Effective Alternative</a:t>
-            </a:r>
-          </a:p>
-        </p:txBody>
-      </p:sp>
-      <p:pic>
-        <p:nvPicPr>
-          <p:cNvPr id="9" name="Picture 8">
-            <a:extLst>
-              <a:ext uri="{FF2B5EF4-FFF2-40B4-BE49-F238E27FC236}">
-                <a16:creationId xmlns:a16="http://schemas.microsoft.com/office/drawing/2014/main" id="{3380051A-4A3E-4443-A41F-60EE53617D62}"/>
-              </a:ext>
-            </a:extLst>
-          </p:cNvPr>
-          <p:cNvPicPr>
-            <a:picLocks noChangeAspect="1"/>
-          </p:cNvPicPr>
-          <p:nvPr/>
-        </p:nvPicPr>
-        <p:blipFill>
-          <a:blip r:embed="rId2"/>
-          <a:stretch>
-            <a:fillRect/>
-          </a:stretch>
-        </p:blipFill>
-        <p:spPr>
-          <a:xfrm>
-            <a:off x="2133600" y="895350"/>
-            <a:ext cx="5083033" cy="1619494"/>
-          </a:xfrm>
-          <a:prstGeom prst="rect">
-            <a:avLst/>
-          </a:prstGeom>
-        </p:spPr>
-      </p:pic>
-      <p:sp>
-        <p:nvSpPr>
-          <p:cNvPr id="11" name="TextBox 10">
-            <a:extLst>
-              <a:ext uri="{FF2B5EF4-FFF2-40B4-BE49-F238E27FC236}">
-                <a16:creationId xmlns:a16="http://schemas.microsoft.com/office/drawing/2014/main" id="{E10AEE45-4009-4F7D-BBA6-A113EBF439C5}"/>
-              </a:ext>
-            </a:extLst>
-          </p:cNvPr>
-          <p:cNvSpPr txBox="1"/>
-          <p:nvPr/>
-        </p:nvSpPr>
-        <p:spPr>
-          <a:xfrm>
-            <a:off x="5181598" y="2782588"/>
-            <a:ext cx="3962401" cy="923330"/>
-          </a:xfrm>
-          <a:prstGeom prst="rect">
-            <a:avLst/>
-          </a:prstGeom>
-          <a:noFill/>
-        </p:spPr>
-        <p:txBody>
-          <a:bodyPr wrap="square">
-            <a:spAutoFit/>
-          </a:bodyPr>
-          <a:lstStyle/>
-          <a:p>
-            <a:r>
-              <a:rPr lang="en-US" sz="900" b="0" dirty="0">
-                <a:effectLst/>
-                <a:latin typeface="Courier New" panose="02070309020205020404" pitchFamily="49" charset="0"/>
-              </a:rPr>
-              <a:t>"Ravi Patel is a sophomore majoring in computer science at the University of Michigan. He is South Asian Indian American and has a 3.7 GPA. Ravi is an active member of the university's Chess Club and the South Asian Student Association. He hopes to pursue a career in software engineering after graduating."</a:t>
-            </a:r>
-          </a:p>
-        </p:txBody>
-      </p:sp>
-      <p:sp>
-        <p:nvSpPr>
-          <p:cNvPr id="12" name="TextBox 11">
-            <a:extLst>
-              <a:ext uri="{FF2B5EF4-FFF2-40B4-BE49-F238E27FC236}">
-                <a16:creationId xmlns:a16="http://schemas.microsoft.com/office/drawing/2014/main" id="{F6097B32-BBDB-400D-9FA1-78CF8A13FF00}"/>
-              </a:ext>
-            </a:extLst>
-          </p:cNvPr>
-          <p:cNvSpPr txBox="1"/>
-          <p:nvPr/>
-        </p:nvSpPr>
-        <p:spPr>
-          <a:xfrm>
-            <a:off x="6265995" y="2542624"/>
-            <a:ext cx="1901275" cy="276999"/>
-          </a:xfrm>
-          <a:prstGeom prst="rect">
-            <a:avLst/>
-          </a:prstGeom>
-          <a:noFill/>
-        </p:spPr>
-        <p:txBody>
-          <a:bodyPr wrap="square" rtlCol="0">
-            <a:spAutoFit/>
-          </a:bodyPr>
-          <a:lstStyle/>
-          <a:p>
-            <a:pPr lvl="1" algn="l"/>
-            <a:r>
-              <a:rPr lang="en-US" sz="1200" b="0" i="0" dirty="0">
-                <a:solidFill>
-                  <a:srgbClr val="374151"/>
-                </a:solidFill>
-                <a:effectLst/>
-                <a:latin typeface="Söhne"/>
-              </a:rPr>
-              <a:t>Input 2</a:t>
-            </a:r>
-          </a:p>
-        </p:txBody>
-      </p:sp>
-      <p:sp>
-        <p:nvSpPr>
-          <p:cNvPr id="13" name="TextBox 12">
-            <a:extLst>
-              <a:ext uri="{FF2B5EF4-FFF2-40B4-BE49-F238E27FC236}">
-                <a16:creationId xmlns:a16="http://schemas.microsoft.com/office/drawing/2014/main" id="{1D3464A9-8415-49E9-B2E7-B581A3F4B330}"/>
-              </a:ext>
-            </a:extLst>
-          </p:cNvPr>
-          <p:cNvSpPr txBox="1"/>
-          <p:nvPr/>
-        </p:nvSpPr>
-        <p:spPr>
-          <a:xfrm>
-            <a:off x="152400" y="2815904"/>
-            <a:ext cx="3962400" cy="923330"/>
-          </a:xfrm>
-          <a:prstGeom prst="rect">
-            <a:avLst/>
-          </a:prstGeom>
-          <a:noFill/>
-        </p:spPr>
-        <p:txBody>
-          <a:bodyPr wrap="square">
-            <a:spAutoFit/>
-          </a:bodyPr>
-          <a:lstStyle/>
-          <a:p>
-            <a:r>
-              <a:rPr lang="en-US" sz="900" b="0" dirty="0">
-                <a:effectLst/>
-                <a:latin typeface="Courier New" panose="02070309020205020404" pitchFamily="49" charset="0"/>
-              </a:rPr>
-              <a:t>"Ravi Patel is a sophomore majoring in computer science at the University of Michigan. He is South Asian Indian American and has a 3.7 GPA. Ravi is an active member of the university's Chess Club and the South Asian Student Association. He hopes to pursue a career in software engineering after graduating."</a:t>
-            </a:r>
-          </a:p>
-        </p:txBody>
-      </p:sp>
-      <p:sp>
-        <p:nvSpPr>
-          <p:cNvPr id="14" name="TextBox 13">
-            <a:extLst>
-              <a:ext uri="{FF2B5EF4-FFF2-40B4-BE49-F238E27FC236}">
-                <a16:creationId xmlns:a16="http://schemas.microsoft.com/office/drawing/2014/main" id="{9572B388-53D4-48CF-ADCD-62E5E5AA413E}"/>
-              </a:ext>
-            </a:extLst>
-          </p:cNvPr>
-          <p:cNvSpPr txBox="1"/>
-          <p:nvPr/>
-        </p:nvSpPr>
-        <p:spPr>
-          <a:xfrm>
-            <a:off x="762000" y="2538905"/>
-            <a:ext cx="1647772" cy="276999"/>
-          </a:xfrm>
-          <a:prstGeom prst="rect">
-            <a:avLst/>
-          </a:prstGeom>
-          <a:noFill/>
-        </p:spPr>
-        <p:txBody>
-          <a:bodyPr wrap="square" rtlCol="0">
-            <a:spAutoFit/>
-          </a:bodyPr>
-          <a:lstStyle/>
-          <a:p>
-            <a:pPr lvl="1" algn="l"/>
-            <a:r>
-              <a:rPr lang="en-US" sz="1200" b="0" i="0" dirty="0">
-                <a:solidFill>
-                  <a:srgbClr val="374151"/>
-                </a:solidFill>
-                <a:effectLst/>
-                <a:latin typeface="Söhne"/>
-              </a:rPr>
-              <a:t>Input 1</a:t>
-            </a:r>
-          </a:p>
-        </p:txBody>
-      </p:sp>
-      <p:pic>
-        <p:nvPicPr>
-          <p:cNvPr id="16" name="Picture 15">
-            <a:extLst>
-              <a:ext uri="{FF2B5EF4-FFF2-40B4-BE49-F238E27FC236}">
-                <a16:creationId xmlns:a16="http://schemas.microsoft.com/office/drawing/2014/main" id="{2A1F1FE4-10D2-48AD-9CEE-D3C0847B76CB}"/>
-              </a:ext>
-            </a:extLst>
-          </p:cNvPr>
-          <p:cNvPicPr>
-            <a:picLocks noChangeAspect="1"/>
-          </p:cNvPicPr>
-          <p:nvPr/>
-        </p:nvPicPr>
-        <p:blipFill>
-          <a:blip r:embed="rId3"/>
-          <a:stretch>
-            <a:fillRect/>
-          </a:stretch>
-        </p:blipFill>
-        <p:spPr>
-          <a:xfrm>
-            <a:off x="228600" y="3889558"/>
-            <a:ext cx="3677836" cy="821644"/>
-          </a:xfrm>
-          <a:prstGeom prst="rect">
-            <a:avLst/>
-          </a:prstGeom>
-        </p:spPr>
-      </p:pic>
-      <p:pic>
-        <p:nvPicPr>
-          <p:cNvPr id="18" name="Picture 17">
-            <a:extLst>
-              <a:ext uri="{FF2B5EF4-FFF2-40B4-BE49-F238E27FC236}">
-                <a16:creationId xmlns:a16="http://schemas.microsoft.com/office/drawing/2014/main" id="{5E19E76F-84B4-4E16-AA73-E61AB64F67AA}"/>
-              </a:ext>
-            </a:extLst>
-          </p:cNvPr>
-          <p:cNvPicPr>
-            <a:picLocks noChangeAspect="1"/>
-          </p:cNvPicPr>
-          <p:nvPr/>
-        </p:nvPicPr>
-        <p:blipFill>
-          <a:blip r:embed="rId4"/>
-          <a:stretch>
-            <a:fillRect/>
-          </a:stretch>
-        </p:blipFill>
-        <p:spPr>
-          <a:xfrm>
-            <a:off x="5798700" y="3821334"/>
-            <a:ext cx="2728196" cy="1112616"/>
-          </a:xfrm>
-          <a:prstGeom prst="rect">
-            <a:avLst/>
-          </a:prstGeom>
-        </p:spPr>
-      </p:pic>
-      <p:sp>
-        <p:nvSpPr>
-          <p:cNvPr id="20" name="TextBox 19">
-            <a:extLst>
-              <a:ext uri="{FF2B5EF4-FFF2-40B4-BE49-F238E27FC236}">
-                <a16:creationId xmlns:a16="http://schemas.microsoft.com/office/drawing/2014/main" id="{A07B96AC-FA65-49BE-80B7-B9D238204CDE}"/>
-              </a:ext>
-            </a:extLst>
-          </p:cNvPr>
-          <p:cNvSpPr txBox="1"/>
-          <p:nvPr/>
-        </p:nvSpPr>
-        <p:spPr>
-          <a:xfrm>
-            <a:off x="118372" y="4916329"/>
-            <a:ext cx="4582800" cy="246221"/>
-          </a:xfrm>
-          <a:prstGeom prst="rect">
-            <a:avLst/>
-          </a:prstGeom>
-          <a:noFill/>
-        </p:spPr>
-        <p:txBody>
-          <a:bodyPr wrap="square">
-            <a:spAutoFit/>
-          </a:bodyPr>
-          <a:lstStyle/>
-          <a:p>
-            <a:r>
-              <a:rPr lang="en-US" sz="1000" b="0" i="0" dirty="0">
-                <a:solidFill>
-                  <a:srgbClr val="5D6A77"/>
-                </a:solidFill>
-                <a:effectLst/>
-                <a:latin typeface="JetBrainsMonoNL"/>
-              </a:rPr>
-              <a:t>Note: Responses were generated by gpt-3.5-turbo</a:t>
-            </a:r>
-            <a:endParaRPr lang="en-US" sz="1000" dirty="0"/>
-          </a:p>
-        </p:txBody>
-      </p:sp>
-      <p:cxnSp>
-        <p:nvCxnSpPr>
-          <p:cNvPr id="23" name="Straight Connector 22">
-            <a:extLst>
-              <a:ext uri="{FF2B5EF4-FFF2-40B4-BE49-F238E27FC236}">
-                <a16:creationId xmlns:a16="http://schemas.microsoft.com/office/drawing/2014/main" id="{70A51BDA-B34D-4D0B-BFDF-7641D8ED3A10}"/>
-              </a:ext>
-            </a:extLst>
-          </p:cNvPr>
-          <p:cNvCxnSpPr>
-            <a:cxnSpLocks/>
-          </p:cNvCxnSpPr>
-          <p:nvPr/>
-        </p:nvCxnSpPr>
-        <p:spPr>
-          <a:xfrm>
-            <a:off x="4701172" y="2813877"/>
-            <a:ext cx="0" cy="2151362"/>
-          </a:xfrm>
-          <a:prstGeom prst="line">
-            <a:avLst/>
-          </a:prstGeom>
-          <a:ln>
-            <a:prstDash val="dash"/>
-          </a:ln>
-        </p:spPr>
-        <p:style>
-          <a:lnRef idx="1">
-            <a:schemeClr val="dk1"/>
-          </a:lnRef>
-          <a:fillRef idx="0">
-            <a:schemeClr val="dk1"/>
-          </a:fillRef>
-          <a:effectRef idx="0">
-            <a:schemeClr val="dk1"/>
-          </a:effectRef>
-          <a:fontRef idx="minor">
-            <a:schemeClr val="tx1"/>
-          </a:fontRef>
-        </p:style>
-      </p:cxnSp>
-      <p:sp>
-        <p:nvSpPr>
-          <p:cNvPr id="22" name="TextBox 21">
-            <a:extLst>
-              <a:ext uri="{FF2B5EF4-FFF2-40B4-BE49-F238E27FC236}">
-                <a16:creationId xmlns:a16="http://schemas.microsoft.com/office/drawing/2014/main" id="{7C02D550-E485-4BCC-827A-248E0685A912}"/>
-              </a:ext>
-            </a:extLst>
-          </p:cNvPr>
-          <p:cNvSpPr txBox="1"/>
-          <p:nvPr/>
-        </p:nvSpPr>
-        <p:spPr>
-          <a:xfrm>
-            <a:off x="3996353" y="4146491"/>
-            <a:ext cx="1698936" cy="307777"/>
-          </a:xfrm>
-          <a:prstGeom prst="rect">
-            <a:avLst/>
-          </a:prstGeom>
-          <a:solidFill>
-            <a:schemeClr val="accent5">
-              <a:lumMod val="20000"/>
-              <a:lumOff val="80000"/>
-            </a:schemeClr>
-          </a:solidFill>
-        </p:spPr>
-        <p:txBody>
-          <a:bodyPr wrap="square">
-            <a:spAutoFit/>
-          </a:bodyPr>
-          <a:lstStyle/>
-          <a:p>
-            <a:r>
-              <a:rPr lang="en-US" sz="1400" b="0" i="1" dirty="0">
-                <a:solidFill>
-                  <a:srgbClr val="374151"/>
-                </a:solidFill>
-                <a:effectLst/>
-                <a:latin typeface="Söhne"/>
-              </a:rPr>
-              <a:t>What is difference?</a:t>
-            </a:r>
-          </a:p>
-        </p:txBody>
-      </p:sp>
-    </p:spTree>
-    <p:extLst>
-      <p:ext uri="{BB962C8B-B14F-4D97-AF65-F5344CB8AC3E}">
-        <p14:creationId xmlns:p14="http://schemas.microsoft.com/office/powerpoint/2010/main" val="120315214"/>
-      </p:ext>
-    </p:extLst>
-  </p:cSld>
-  <p:clrMapOvr>
-    <a:masterClrMapping/>
-  </p:clrMapOvr>
-</p:sld>
-</file>
-
-<file path=ppt/slides/slide12.xml><?xml version="1.0" encoding="utf-8"?>
-<p:sld xmlns:a="http://schemas.openxmlformats.org/drawingml/2006/main" xmlns:r="http://schemas.openxmlformats.org/officeDocument/2006/relationships" xmlns:p="http://schemas.openxmlformats.org/presentationml/2006/main">
-  <p:cSld>
-    <p:spTree>
-      <p:nvGrpSpPr>
-        <p:cNvPr id="1" name=""/>
-        <p:cNvGrpSpPr/>
-        <p:nvPr/>
-      </p:nvGrpSpPr>
-      <p:grpSpPr>
-        <a:xfrm>
-          <a:off x="0" y="0"/>
-          <a:ext cx="0" cy="0"/>
-          <a:chOff x="0" y="0"/>
-          <a:chExt cx="0" cy="0"/>
-        </a:xfrm>
-      </p:grpSpPr>
-      <p:sp>
-        <p:nvSpPr>
-          <p:cNvPr id="2" name="Title 1">
-            <a:extLst>
-              <a:ext uri="{FF2B5EF4-FFF2-40B4-BE49-F238E27FC236}">
-                <a16:creationId xmlns:a16="http://schemas.microsoft.com/office/drawing/2014/main" id="{353742A6-75FD-4EC6-8A58-4683CD99775E}"/>
-              </a:ext>
-            </a:extLst>
-          </p:cNvPr>
-          <p:cNvSpPr>
-            <a:spLocks noGrp="1"/>
-          </p:cNvSpPr>
-          <p:nvPr>
-            <p:ph type="title"/>
-          </p:nvPr>
-        </p:nvSpPr>
-        <p:spPr>
-          <a:xfrm>
-            <a:off x="384725" y="505248"/>
-            <a:ext cx="7419975" cy="384721"/>
-          </a:xfrm>
-        </p:spPr>
-        <p:txBody>
-          <a:bodyPr/>
-          <a:lstStyle/>
-          <a:p>
-            <a:r>
-              <a:rPr lang="en-US" b="1" dirty="0"/>
-              <a:t>Function Calling Benefits</a:t>
-            </a:r>
-          </a:p>
-        </p:txBody>
-      </p:sp>
-      <p:pic>
-        <p:nvPicPr>
-          <p:cNvPr id="6" name="Picture 5">
-            <a:extLst>
-              <a:ext uri="{FF2B5EF4-FFF2-40B4-BE49-F238E27FC236}">
-                <a16:creationId xmlns:a16="http://schemas.microsoft.com/office/drawing/2014/main" id="{0BB69F12-31C6-4615-BCD6-62E6DFD8F0B9}"/>
-              </a:ext>
-            </a:extLst>
-          </p:cNvPr>
-          <p:cNvPicPr>
-            <a:picLocks noChangeAspect="1"/>
-          </p:cNvPicPr>
-          <p:nvPr/>
-        </p:nvPicPr>
-        <p:blipFill>
-          <a:blip r:embed="rId2"/>
-          <a:stretch>
-            <a:fillRect/>
-          </a:stretch>
-        </p:blipFill>
-        <p:spPr>
-          <a:xfrm>
-            <a:off x="4426873" y="1200150"/>
-            <a:ext cx="4694327" cy="3071126"/>
-          </a:xfrm>
-          <a:prstGeom prst="rect">
-            <a:avLst/>
-          </a:prstGeom>
-        </p:spPr>
-      </p:pic>
-      <p:sp>
-        <p:nvSpPr>
-          <p:cNvPr id="8" name="TextBox 7">
-            <a:extLst>
-              <a:ext uri="{FF2B5EF4-FFF2-40B4-BE49-F238E27FC236}">
-                <a16:creationId xmlns:a16="http://schemas.microsoft.com/office/drawing/2014/main" id="{BC6A7BD4-77CC-459A-9EEF-904F930BDF84}"/>
-              </a:ext>
-            </a:extLst>
-          </p:cNvPr>
-          <p:cNvSpPr txBox="1"/>
-          <p:nvPr/>
-        </p:nvSpPr>
-        <p:spPr>
-          <a:xfrm>
-            <a:off x="228600" y="1504950"/>
-            <a:ext cx="3962400" cy="2893100"/>
-          </a:xfrm>
-          <a:prstGeom prst="rect">
-            <a:avLst/>
-          </a:prstGeom>
-          <a:noFill/>
-        </p:spPr>
-        <p:txBody>
-          <a:bodyPr wrap="square">
-            <a:spAutoFit/>
-          </a:bodyPr>
-          <a:lstStyle/>
-          <a:p>
-            <a:pPr algn="l"/>
-            <a:r>
-              <a:rPr lang="en-US" sz="1400" b="1" i="0" dirty="0">
-                <a:solidFill>
-                  <a:srgbClr val="374151"/>
-                </a:solidFill>
-                <a:effectLst/>
-                <a:latin typeface="Söhne"/>
-              </a:rPr>
-              <a:t>Benefits of Function Calling</a:t>
-            </a:r>
-            <a:r>
-              <a:rPr lang="en-US" sz="1400" b="0" i="0" dirty="0">
-                <a:solidFill>
-                  <a:srgbClr val="374151"/>
-                </a:solidFill>
-                <a:effectLst/>
-                <a:latin typeface="Söhne"/>
-              </a:rPr>
-              <a:t>:</a:t>
-            </a:r>
-          </a:p>
-          <a:p>
-            <a:pPr algn="l"/>
-            <a:endParaRPr lang="en-US" sz="1400" b="0" i="0" dirty="0">
-              <a:solidFill>
-                <a:srgbClr val="374151"/>
-              </a:solidFill>
-              <a:effectLst/>
-              <a:latin typeface="Söhne"/>
-            </a:endParaRPr>
-          </a:p>
-          <a:p>
-            <a:pPr algn="l">
-              <a:buFont typeface="Arial" panose="020B0604020202020204" pitchFamily="34" charset="0"/>
-              <a:buChar char="•"/>
-            </a:pPr>
-            <a:r>
-              <a:rPr lang="en-US" sz="1400" b="1" i="0" dirty="0">
-                <a:solidFill>
-                  <a:srgbClr val="374151"/>
-                </a:solidFill>
-                <a:effectLst/>
-                <a:latin typeface="Söhne"/>
-              </a:rPr>
-              <a:t>Structured Outputs</a:t>
-            </a:r>
-            <a:r>
-              <a:rPr lang="en-US" sz="1400" b="0" i="0" dirty="0">
-                <a:solidFill>
-                  <a:srgbClr val="374151"/>
-                </a:solidFill>
-                <a:effectLst/>
-                <a:latin typeface="Söhne"/>
-              </a:rPr>
-              <a:t>: Converts free-form text into organized formats like JSON, making it easier to integrate with existing databases and applications.</a:t>
-            </a:r>
-          </a:p>
-          <a:p>
-            <a:pPr algn="l"/>
-            <a:endParaRPr lang="en-US" sz="1400" b="0" i="0" dirty="0">
-              <a:solidFill>
-                <a:srgbClr val="374151"/>
-              </a:solidFill>
-              <a:effectLst/>
-              <a:latin typeface="Söhne"/>
-            </a:endParaRPr>
-          </a:p>
-          <a:p>
-            <a:pPr algn="l">
-              <a:buFont typeface="Arial" panose="020B0604020202020204" pitchFamily="34" charset="0"/>
-              <a:buChar char="•"/>
-            </a:pPr>
-            <a:r>
-              <a:rPr lang="en-US" sz="1400" b="1" i="0" dirty="0">
-                <a:solidFill>
-                  <a:srgbClr val="374151"/>
-                </a:solidFill>
-                <a:effectLst/>
-                <a:latin typeface="Söhne"/>
-              </a:rPr>
-              <a:t>Reduced Post-Processing</a:t>
-            </a:r>
-            <a:r>
-              <a:rPr lang="en-US" sz="1400" b="0" i="0" dirty="0">
-                <a:solidFill>
-                  <a:srgbClr val="374151"/>
-                </a:solidFill>
-                <a:effectLst/>
-                <a:latin typeface="Söhne"/>
-              </a:rPr>
-              <a:t>: Minimizes the need for regular expressions or additional parsing to interpret the model's output.</a:t>
-            </a:r>
-          </a:p>
-          <a:p>
-            <a:pPr algn="l"/>
-            <a:endParaRPr lang="en-US" sz="1400" b="0" i="0" dirty="0">
-              <a:solidFill>
-                <a:srgbClr val="374151"/>
-              </a:solidFill>
-              <a:effectLst/>
-              <a:latin typeface="Söhne"/>
-            </a:endParaRPr>
-          </a:p>
-          <a:p>
-            <a:pPr algn="l">
-              <a:buFont typeface="Arial" panose="020B0604020202020204" pitchFamily="34" charset="0"/>
-              <a:buChar char="•"/>
-            </a:pPr>
-            <a:r>
-              <a:rPr lang="en-US" sz="1400" b="1" i="0" dirty="0">
-                <a:solidFill>
-                  <a:srgbClr val="374151"/>
-                </a:solidFill>
-                <a:effectLst/>
-                <a:latin typeface="Söhne"/>
-              </a:rPr>
-              <a:t>Enhanced Developer Experience</a:t>
-            </a:r>
-            <a:r>
-              <a:rPr lang="en-US" sz="1400" b="0" i="0" dirty="0">
-                <a:solidFill>
-                  <a:srgbClr val="374151"/>
-                </a:solidFill>
-                <a:effectLst/>
-                <a:latin typeface="Söhne"/>
-              </a:rPr>
-              <a:t>: Streamlines the workflow for developers by allowing direct use of familiar structures and data types.</a:t>
-            </a:r>
-          </a:p>
-        </p:txBody>
-      </p:sp>
-    </p:spTree>
-    <p:extLst>
-      <p:ext uri="{BB962C8B-B14F-4D97-AF65-F5344CB8AC3E}">
-        <p14:creationId xmlns:p14="http://schemas.microsoft.com/office/powerpoint/2010/main" val="4017703166"/>
-      </p:ext>
-    </p:extLst>
-  </p:cSld>
-  <p:clrMapOvr>
-    <a:masterClrMapping/>
-  </p:clrMapOvr>
-</p:sld>
-</file>
-
-<file path=ppt/slides/slide13.xml><?xml version="1.0" encoding="utf-8"?>
 <p:sld xmlns:a="http://schemas.openxmlformats.org/drawingml/2006/main" xmlns:r="http://schemas.openxmlformats.org/officeDocument/2006/relationships" xmlns:p="http://schemas.openxmlformats.org/presentationml/2006/main">
   <p:cSld>
     <p:spTree>
@@ -4445,7 +3477,7 @@
 </p:sld>
 </file>
 
-<file path=ppt/slides/slide14.xml><?xml version="1.0" encoding="utf-8"?>
+<file path=ppt/slides/slide11.xml><?xml version="1.0" encoding="utf-8"?>
 <p:sld xmlns:a="http://schemas.openxmlformats.org/drawingml/2006/main" xmlns:r="http://schemas.openxmlformats.org/officeDocument/2006/relationships" xmlns:p="http://schemas.openxmlformats.org/presentationml/2006/main">
   <p:cSld>
     <p:spTree>
@@ -6058,7 +5090,7 @@
           <a:graphicData uri="http://schemas.openxmlformats.org/presentationml/2006/ole">
             <mc:AlternateContent xmlns:mc="http://schemas.openxmlformats.org/markup-compatibility/2006">
               <mc:Choice xmlns:v="urn:schemas-microsoft-com:vml" Requires="v">
-                <p:oleObj spid="_x0000_s1031" name="Worksheet" showAsIcon="1" r:id="rId3" imgW="914400" imgH="792417" progId="Excel.Sheet.12">
+                <p:oleObj spid="_x0000_s1032" name="Worksheet" showAsIcon="1" r:id="rId3" imgW="914400" imgH="792417" progId="Excel.Sheet.12">
                   <p:embed/>
                 </p:oleObj>
               </mc:Choice>
@@ -6106,7 +5138,7 @@
 </p:sld>
 </file>
 
-<file path=ppt/slides/slide15.xml><?xml version="1.0" encoding="utf-8"?>
+<file path=ppt/slides/slide12.xml><?xml version="1.0" encoding="utf-8"?>
 <p:sld xmlns:a="http://schemas.openxmlformats.org/drawingml/2006/main" xmlns:r="http://schemas.openxmlformats.org/officeDocument/2006/relationships" xmlns:p="http://schemas.openxmlformats.org/presentationml/2006/main">
   <p:cSld>
     <p:spTree>
@@ -11335,3521 +10367,6 @@
         <p:spPr>
           <a:xfrm>
             <a:off x="384725" y="505248"/>
-            <a:ext cx="949960" cy="409575"/>
-          </a:xfrm>
-          <a:prstGeom prst="rect">
-            <a:avLst/>
-          </a:prstGeom>
-        </p:spPr>
-        <p:txBody>
-          <a:bodyPr vert="horz" wrap="square" lIns="0" tIns="15240" rIns="0" bIns="0" rtlCol="0">
-            <a:spAutoFit/>
-          </a:bodyPr>
-          <a:lstStyle/>
-          <a:p>
-            <a:pPr marL="12700">
-              <a:lnSpc>
-                <a:spcPct val="100000"/>
-              </a:lnSpc>
-              <a:spcBef>
-                <a:spcPts val="120"/>
-              </a:spcBef>
-            </a:pPr>
-            <a:r>
-              <a:rPr spc="5" dirty="0"/>
-              <a:t>GP</a:t>
-            </a:r>
-            <a:r>
-              <a:rPr spc="-135" dirty="0"/>
-              <a:t>T</a:t>
-            </a:r>
-            <a:r>
-              <a:rPr spc="5" dirty="0"/>
-              <a:t>-1</a:t>
-            </a:r>
-          </a:p>
-        </p:txBody>
-      </p:sp>
-      <p:pic>
-        <p:nvPicPr>
-          <p:cNvPr id="3" name="object 3"/>
-          <p:cNvPicPr/>
-          <p:nvPr/>
-        </p:nvPicPr>
-        <p:blipFill>
-          <a:blip r:embed="rId2" cstate="print"/>
-          <a:stretch>
-            <a:fillRect/>
-          </a:stretch>
-        </p:blipFill>
-        <p:spPr>
-          <a:xfrm>
-            <a:off x="0" y="1559537"/>
-            <a:ext cx="6371769" cy="2608618"/>
-          </a:xfrm>
-          <a:prstGeom prst="rect">
-            <a:avLst/>
-          </a:prstGeom>
-        </p:spPr>
-      </p:pic>
-      <p:sp>
-        <p:nvSpPr>
-          <p:cNvPr id="4" name="object 4"/>
-          <p:cNvSpPr txBox="1"/>
-          <p:nvPr/>
-        </p:nvSpPr>
-        <p:spPr>
-          <a:xfrm>
-            <a:off x="344350" y="4535537"/>
-            <a:ext cx="5548630" cy="193040"/>
-          </a:xfrm>
-          <a:prstGeom prst="rect">
-            <a:avLst/>
-          </a:prstGeom>
-        </p:spPr>
-        <p:txBody>
-          <a:bodyPr vert="horz" wrap="square" lIns="0" tIns="12700" rIns="0" bIns="0" rtlCol="0">
-            <a:spAutoFit/>
-          </a:bodyPr>
-          <a:lstStyle/>
-          <a:p>
-            <a:pPr marL="12700">
-              <a:lnSpc>
-                <a:spcPct val="100000"/>
-              </a:lnSpc>
-              <a:spcBef>
-                <a:spcPts val="100"/>
-              </a:spcBef>
-            </a:pPr>
-            <a:r>
-              <a:rPr sz="1100" spc="-5" dirty="0">
-                <a:solidFill>
-                  <a:srgbClr val="434343"/>
-                </a:solidFill>
-                <a:latin typeface="Arial MT"/>
-                <a:cs typeface="Arial MT"/>
-              </a:rPr>
-              <a:t>Radford,</a:t>
-            </a:r>
-            <a:r>
-              <a:rPr sz="1100" spc="-65" dirty="0">
-                <a:solidFill>
-                  <a:srgbClr val="434343"/>
-                </a:solidFill>
-                <a:latin typeface="Arial MT"/>
-                <a:cs typeface="Arial MT"/>
-              </a:rPr>
-              <a:t> </a:t>
-            </a:r>
-            <a:r>
-              <a:rPr sz="1100" spc="-5" dirty="0">
-                <a:solidFill>
-                  <a:srgbClr val="434343"/>
-                </a:solidFill>
-                <a:latin typeface="Arial MT"/>
-                <a:cs typeface="Arial MT"/>
-              </a:rPr>
-              <a:t>A., et al., </a:t>
-            </a:r>
-            <a:r>
-              <a:rPr sz="1100" dirty="0">
-                <a:solidFill>
-                  <a:srgbClr val="434343"/>
-                </a:solidFill>
-                <a:latin typeface="Arial MT"/>
-                <a:cs typeface="Arial MT"/>
-              </a:rPr>
-              <a:t>(2017)</a:t>
-            </a:r>
-            <a:r>
-              <a:rPr sz="1100" spc="-5" dirty="0">
-                <a:solidFill>
-                  <a:srgbClr val="434343"/>
-                </a:solidFill>
-                <a:latin typeface="Arial MT"/>
-                <a:cs typeface="Arial MT"/>
-              </a:rPr>
-              <a:t> Improving Language Understanding by Generative </a:t>
-            </a:r>
-            <a:r>
-              <a:rPr sz="1100" spc="-10" dirty="0">
-                <a:solidFill>
-                  <a:srgbClr val="434343"/>
-                </a:solidFill>
-                <a:latin typeface="Arial MT"/>
-                <a:cs typeface="Arial MT"/>
-              </a:rPr>
-              <a:t>Pre-Training</a:t>
-            </a:r>
-            <a:endParaRPr sz="1100">
-              <a:latin typeface="Arial MT"/>
-              <a:cs typeface="Arial MT"/>
-            </a:endParaRPr>
-          </a:p>
-        </p:txBody>
-      </p:sp>
-      <p:sp>
-        <p:nvSpPr>
-          <p:cNvPr id="5" name="object 5"/>
-          <p:cNvSpPr txBox="1"/>
-          <p:nvPr/>
-        </p:nvSpPr>
-        <p:spPr>
-          <a:xfrm>
-            <a:off x="6694350" y="954605"/>
-            <a:ext cx="2150110" cy="4255011"/>
-          </a:xfrm>
-          <a:prstGeom prst="rect">
-            <a:avLst/>
-          </a:prstGeom>
-        </p:spPr>
-        <p:txBody>
-          <a:bodyPr vert="horz" wrap="square" lIns="0" tIns="139700" rIns="0" bIns="0" rtlCol="0">
-            <a:spAutoFit/>
-          </a:bodyPr>
-          <a:lstStyle/>
-          <a:p>
-            <a:pPr marL="298450" indent="-285750">
-              <a:lnSpc>
-                <a:spcPct val="100000"/>
-              </a:lnSpc>
-              <a:spcBef>
-                <a:spcPts val="1100"/>
-              </a:spcBef>
-              <a:buFont typeface="Arial" panose="020B0604020202020204" pitchFamily="34" charset="0"/>
-              <a:buChar char="•"/>
-            </a:pPr>
-            <a:r>
-              <a:rPr sz="1800" u="heavy" spc="-5" dirty="0">
-                <a:solidFill>
-                  <a:srgbClr val="595959"/>
-                </a:solidFill>
-                <a:uFill>
-                  <a:solidFill>
-                    <a:srgbClr val="595959"/>
-                  </a:solidFill>
-                </a:uFill>
-                <a:latin typeface="Arial MT"/>
-                <a:cs typeface="Arial MT"/>
-              </a:rPr>
-              <a:t>Decoder-Only</a:t>
-            </a:r>
-            <a:endParaRPr sz="1800" dirty="0">
-              <a:latin typeface="Arial MT"/>
-              <a:cs typeface="Arial MT"/>
-            </a:endParaRPr>
-          </a:p>
-          <a:p>
-            <a:pPr marL="298450" marR="85725" indent="-285750">
-              <a:lnSpc>
-                <a:spcPct val="100000"/>
-              </a:lnSpc>
-              <a:spcBef>
-                <a:spcPts val="1000"/>
-              </a:spcBef>
-              <a:buFont typeface="Arial" panose="020B0604020202020204" pitchFamily="34" charset="0"/>
-              <a:buChar char="•"/>
-            </a:pPr>
-            <a:r>
-              <a:rPr sz="1800" spc="-5" dirty="0">
-                <a:latin typeface="Arial MT"/>
-                <a:cs typeface="Arial MT"/>
-              </a:rPr>
-              <a:t>Unsupervised </a:t>
-            </a:r>
-            <a:r>
-              <a:rPr sz="1800" dirty="0">
-                <a:latin typeface="Arial MT"/>
-                <a:cs typeface="Arial MT"/>
-              </a:rPr>
-              <a:t> </a:t>
-            </a:r>
-            <a:r>
-              <a:rPr sz="1800" spc="-5" dirty="0">
-                <a:latin typeface="Arial MT"/>
-                <a:cs typeface="Arial MT"/>
-              </a:rPr>
-              <a:t>Pretraining</a:t>
-            </a:r>
-            <a:r>
-              <a:rPr sz="1800" spc="-15" dirty="0">
-                <a:latin typeface="Arial MT"/>
-                <a:cs typeface="Arial MT"/>
-              </a:rPr>
-              <a:t> </a:t>
-            </a:r>
-            <a:r>
-              <a:rPr sz="1800" spc="-5" dirty="0">
-                <a:latin typeface="Arial MT"/>
-                <a:cs typeface="Arial MT"/>
-              </a:rPr>
-              <a:t>on</a:t>
-            </a:r>
-            <a:r>
-              <a:rPr sz="1800" spc="-35" dirty="0">
-                <a:latin typeface="Arial MT"/>
-                <a:cs typeface="Arial MT"/>
-              </a:rPr>
-              <a:t> </a:t>
-            </a:r>
-            <a:r>
-              <a:rPr sz="1800" dirty="0">
-                <a:latin typeface="Arial MT"/>
-                <a:cs typeface="Arial MT"/>
-              </a:rPr>
-              <a:t>a</a:t>
-            </a:r>
-            <a:r>
-              <a:rPr sz="1800" spc="-35" dirty="0">
-                <a:latin typeface="Arial MT"/>
-                <a:cs typeface="Arial MT"/>
-              </a:rPr>
-              <a:t> </a:t>
-            </a:r>
-            <a:r>
-              <a:rPr sz="1800" spc="-5" dirty="0">
-                <a:latin typeface="Arial MT"/>
-                <a:cs typeface="Arial MT"/>
-              </a:rPr>
-              <a:t>text </a:t>
-            </a:r>
-            <a:r>
-              <a:rPr sz="1800" spc="-484" dirty="0">
-                <a:latin typeface="Arial MT"/>
-                <a:cs typeface="Arial MT"/>
-              </a:rPr>
-              <a:t> </a:t>
-            </a:r>
-            <a:r>
-              <a:rPr sz="1800" dirty="0">
-                <a:latin typeface="Arial MT"/>
-                <a:cs typeface="Arial MT"/>
-              </a:rPr>
-              <a:t>corpus</a:t>
-            </a:r>
-          </a:p>
-          <a:p>
-            <a:pPr marL="342900" indent="-342900">
-              <a:lnSpc>
-                <a:spcPct val="100000"/>
-              </a:lnSpc>
-              <a:buFont typeface="Arial" panose="020B0604020202020204" pitchFamily="34" charset="0"/>
-              <a:buChar char="•"/>
-            </a:pPr>
-            <a:endParaRPr sz="2000" dirty="0">
-              <a:latin typeface="Arial MT"/>
-              <a:cs typeface="Arial MT"/>
-            </a:endParaRPr>
-          </a:p>
-          <a:p>
-            <a:pPr marL="285750" indent="-285750">
-              <a:lnSpc>
-                <a:spcPct val="100000"/>
-              </a:lnSpc>
-              <a:spcBef>
-                <a:spcPts val="20"/>
-              </a:spcBef>
-              <a:buFont typeface="Arial" panose="020B0604020202020204" pitchFamily="34" charset="0"/>
-              <a:buChar char="•"/>
-            </a:pPr>
-            <a:endParaRPr sz="1600" dirty="0">
-              <a:latin typeface="Arial MT"/>
-              <a:cs typeface="Arial MT"/>
-            </a:endParaRPr>
-          </a:p>
-          <a:p>
-            <a:pPr marL="298450" marR="85725" indent="-285750">
-              <a:spcBef>
-                <a:spcPts val="1000"/>
-              </a:spcBef>
-              <a:buFont typeface="Arial" panose="020B0604020202020204" pitchFamily="34" charset="0"/>
-              <a:buChar char="•"/>
-            </a:pPr>
-            <a:r>
-              <a:rPr spc="-5" dirty="0">
-                <a:latin typeface="Arial MT"/>
-              </a:rPr>
-              <a:t>Supervised</a:t>
-            </a:r>
-          </a:p>
-          <a:p>
-            <a:pPr marL="298450" marR="85725" indent="-285750">
-              <a:spcBef>
-                <a:spcPts val="1000"/>
-              </a:spcBef>
-              <a:buFont typeface="Arial" panose="020B0604020202020204" pitchFamily="34" charset="0"/>
-              <a:buChar char="•"/>
-            </a:pPr>
-            <a:r>
-              <a:rPr spc="-5" dirty="0">
-                <a:latin typeface="Arial MT"/>
-              </a:rPr>
-              <a:t>Fine-tuning tasks on</a:t>
-            </a:r>
-          </a:p>
-          <a:p>
-            <a:pPr marL="298450" marR="5080" indent="-285750">
-              <a:lnSpc>
-                <a:spcPct val="100000"/>
-              </a:lnSpc>
-              <a:spcBef>
-                <a:spcPts val="1000"/>
-              </a:spcBef>
-              <a:buFont typeface="Arial" panose="020B0604020202020204" pitchFamily="34" charset="0"/>
-              <a:buChar char="•"/>
-            </a:pPr>
-            <a:r>
-              <a:rPr sz="1800" spc="-5" dirty="0">
-                <a:solidFill>
-                  <a:srgbClr val="595959"/>
-                </a:solidFill>
-                <a:latin typeface="Arial MT"/>
-                <a:cs typeface="Arial MT"/>
-              </a:rPr>
-              <a:t>Classification, </a:t>
-            </a:r>
-            <a:r>
-              <a:rPr sz="1800" dirty="0">
-                <a:solidFill>
-                  <a:srgbClr val="595959"/>
-                </a:solidFill>
-                <a:latin typeface="Arial MT"/>
-                <a:cs typeface="Arial MT"/>
-              </a:rPr>
-              <a:t> </a:t>
-            </a:r>
-            <a:r>
-              <a:rPr sz="1800" spc="-5" dirty="0">
-                <a:solidFill>
-                  <a:srgbClr val="595959"/>
-                </a:solidFill>
-                <a:latin typeface="Arial MT"/>
-                <a:cs typeface="Arial MT"/>
-              </a:rPr>
-              <a:t>Entailment,</a:t>
-            </a:r>
-            <a:r>
-              <a:rPr sz="1800" spc="-100" dirty="0">
-                <a:solidFill>
-                  <a:srgbClr val="595959"/>
-                </a:solidFill>
-                <a:latin typeface="Arial MT"/>
-                <a:cs typeface="Arial MT"/>
-              </a:rPr>
-              <a:t> </a:t>
-            </a:r>
-            <a:r>
-              <a:rPr sz="1800" spc="-5" dirty="0">
-                <a:solidFill>
-                  <a:srgbClr val="595959"/>
-                </a:solidFill>
-                <a:latin typeface="Arial MT"/>
-                <a:cs typeface="Arial MT"/>
-              </a:rPr>
-              <a:t>Similarity </a:t>
-            </a:r>
-            <a:r>
-              <a:rPr sz="1800" spc="-484" dirty="0">
-                <a:solidFill>
-                  <a:srgbClr val="595959"/>
-                </a:solidFill>
-                <a:latin typeface="Arial MT"/>
-                <a:cs typeface="Arial MT"/>
-              </a:rPr>
-              <a:t> </a:t>
-            </a:r>
-            <a:r>
-              <a:rPr sz="1800" spc="-5" dirty="0">
-                <a:solidFill>
-                  <a:srgbClr val="595959"/>
-                </a:solidFill>
-                <a:latin typeface="Arial MT"/>
-                <a:cs typeface="Arial MT"/>
-              </a:rPr>
-              <a:t>and</a:t>
-            </a:r>
-            <a:r>
-              <a:rPr sz="1800" spc="-30" dirty="0">
-                <a:solidFill>
-                  <a:srgbClr val="595959"/>
-                </a:solidFill>
-                <a:latin typeface="Arial MT"/>
-                <a:cs typeface="Arial MT"/>
-              </a:rPr>
-              <a:t> </a:t>
-            </a:r>
-            <a:r>
-              <a:rPr sz="1800" dirty="0">
-                <a:solidFill>
-                  <a:srgbClr val="595959"/>
-                </a:solidFill>
-                <a:latin typeface="Arial MT"/>
-                <a:cs typeface="Arial MT"/>
-              </a:rPr>
-              <a:t>Multiple</a:t>
-            </a:r>
-            <a:r>
-              <a:rPr sz="1800" spc="-30" dirty="0">
-                <a:solidFill>
-                  <a:srgbClr val="595959"/>
-                </a:solidFill>
-                <a:latin typeface="Arial MT"/>
-                <a:cs typeface="Arial MT"/>
-              </a:rPr>
-              <a:t> </a:t>
-            </a:r>
-            <a:r>
-              <a:rPr sz="1800" spc="-5" dirty="0">
-                <a:solidFill>
-                  <a:srgbClr val="595959"/>
-                </a:solidFill>
-                <a:latin typeface="Arial MT"/>
-                <a:cs typeface="Arial MT"/>
-              </a:rPr>
-              <a:t>Choice</a:t>
-            </a:r>
-            <a:endParaRPr sz="1800" dirty="0">
-              <a:latin typeface="Arial MT"/>
-              <a:cs typeface="Arial MT"/>
-            </a:endParaRPr>
-          </a:p>
-        </p:txBody>
-      </p:sp>
-    </p:spTree>
-  </p:cSld>
-  <p:clrMapOvr>
-    <a:masterClrMapping/>
-  </p:clrMapOvr>
-</p:sld>
-</file>
-
-<file path=ppt/slides/slide6.xml><?xml version="1.0" encoding="utf-8"?>
-<p:sld xmlns:a="http://schemas.openxmlformats.org/drawingml/2006/main" xmlns:r="http://schemas.openxmlformats.org/officeDocument/2006/relationships" xmlns:p="http://schemas.openxmlformats.org/presentationml/2006/main">
-  <p:cSld>
-    <p:spTree>
-      <p:nvGrpSpPr>
-        <p:cNvPr id="1" name=""/>
-        <p:cNvGrpSpPr/>
-        <p:nvPr/>
-      </p:nvGrpSpPr>
-      <p:grpSpPr>
-        <a:xfrm>
-          <a:off x="0" y="0"/>
-          <a:ext cx="0" cy="0"/>
-          <a:chOff x="0" y="0"/>
-          <a:chExt cx="0" cy="0"/>
-        </a:xfrm>
-      </p:grpSpPr>
-      <p:sp>
-        <p:nvSpPr>
-          <p:cNvPr id="2" name="object 2"/>
-          <p:cNvSpPr txBox="1">
-            <a:spLocks noGrp="1"/>
-          </p:cNvSpPr>
-          <p:nvPr>
-            <p:ph type="title"/>
-          </p:nvPr>
-        </p:nvSpPr>
-        <p:spPr>
-          <a:xfrm>
-            <a:off x="384725" y="505248"/>
-            <a:ext cx="949960" cy="409575"/>
-          </a:xfrm>
-          <a:prstGeom prst="rect">
-            <a:avLst/>
-          </a:prstGeom>
-        </p:spPr>
-        <p:txBody>
-          <a:bodyPr vert="horz" wrap="square" lIns="0" tIns="15240" rIns="0" bIns="0" rtlCol="0">
-            <a:spAutoFit/>
-          </a:bodyPr>
-          <a:lstStyle/>
-          <a:p>
-            <a:pPr marL="12700">
-              <a:lnSpc>
-                <a:spcPct val="100000"/>
-              </a:lnSpc>
-              <a:spcBef>
-                <a:spcPts val="120"/>
-              </a:spcBef>
-            </a:pPr>
-            <a:r>
-              <a:rPr spc="5" dirty="0"/>
-              <a:t>GP</a:t>
-            </a:r>
-            <a:r>
-              <a:rPr spc="-135" dirty="0"/>
-              <a:t>T</a:t>
-            </a:r>
-            <a:r>
-              <a:rPr spc="5" dirty="0"/>
-              <a:t>-2</a:t>
-            </a:r>
-          </a:p>
-        </p:txBody>
-      </p:sp>
-      <p:sp>
-        <p:nvSpPr>
-          <p:cNvPr id="3" name="object 3"/>
-          <p:cNvSpPr txBox="1"/>
-          <p:nvPr/>
-        </p:nvSpPr>
-        <p:spPr>
-          <a:xfrm>
-            <a:off x="384725" y="1209909"/>
-            <a:ext cx="5312410" cy="2867660"/>
-          </a:xfrm>
-          <a:prstGeom prst="rect">
-            <a:avLst/>
-          </a:prstGeom>
-        </p:spPr>
-        <p:txBody>
-          <a:bodyPr vert="horz" wrap="square" lIns="0" tIns="12065" rIns="0" bIns="0" rtlCol="0">
-            <a:spAutoFit/>
-          </a:bodyPr>
-          <a:lstStyle/>
-          <a:p>
-            <a:pPr marL="12700">
-              <a:lnSpc>
-                <a:spcPct val="100000"/>
-              </a:lnSpc>
-              <a:spcBef>
-                <a:spcPts val="95"/>
-              </a:spcBef>
-            </a:pPr>
-            <a:r>
-              <a:rPr sz="1400" spc="-10" dirty="0">
-                <a:solidFill>
-                  <a:srgbClr val="595959"/>
-                </a:solidFill>
-                <a:latin typeface="Arial MT"/>
-                <a:cs typeface="Arial MT"/>
-              </a:rPr>
-              <a:t>Incremental</a:t>
-            </a:r>
-            <a:r>
-              <a:rPr sz="1400" spc="-15" dirty="0">
-                <a:solidFill>
-                  <a:srgbClr val="595959"/>
-                </a:solidFill>
-                <a:latin typeface="Arial MT"/>
-                <a:cs typeface="Arial MT"/>
-              </a:rPr>
-              <a:t> </a:t>
-            </a:r>
-            <a:r>
-              <a:rPr sz="1400" spc="-10" dirty="0">
-                <a:solidFill>
-                  <a:srgbClr val="595959"/>
-                </a:solidFill>
-                <a:latin typeface="Arial MT"/>
-                <a:cs typeface="Arial MT"/>
-              </a:rPr>
-              <a:t>advancement </a:t>
-            </a:r>
-            <a:r>
-              <a:rPr sz="1400" spc="-5" dirty="0">
-                <a:solidFill>
-                  <a:srgbClr val="595959"/>
-                </a:solidFill>
-                <a:latin typeface="Arial MT"/>
-                <a:cs typeface="Arial MT"/>
-              </a:rPr>
-              <a:t>to</a:t>
-            </a:r>
-            <a:r>
-              <a:rPr sz="1400" spc="-15" dirty="0">
-                <a:solidFill>
-                  <a:srgbClr val="595959"/>
-                </a:solidFill>
-                <a:latin typeface="Arial MT"/>
-                <a:cs typeface="Arial MT"/>
-              </a:rPr>
-              <a:t> </a:t>
-            </a:r>
-            <a:r>
-              <a:rPr sz="1400" spc="-10" dirty="0">
-                <a:solidFill>
-                  <a:srgbClr val="595959"/>
-                </a:solidFill>
-                <a:latin typeface="Arial MT"/>
-                <a:cs typeface="Arial MT"/>
-              </a:rPr>
-              <a:t>GPT</a:t>
-            </a:r>
-            <a:endParaRPr sz="1400">
-              <a:latin typeface="Arial MT"/>
-              <a:cs typeface="Arial MT"/>
-            </a:endParaRPr>
-          </a:p>
-          <a:p>
-            <a:pPr marL="12700" marR="5080">
-              <a:lnSpc>
-                <a:spcPts val="1590"/>
-              </a:lnSpc>
-              <a:spcBef>
-                <a:spcPts val="1235"/>
-              </a:spcBef>
-            </a:pPr>
-            <a:r>
-              <a:rPr sz="1400" spc="-10" dirty="0">
-                <a:solidFill>
-                  <a:srgbClr val="595959"/>
-                </a:solidFill>
-                <a:latin typeface="Arial MT"/>
-                <a:cs typeface="Arial MT"/>
-              </a:rPr>
-              <a:t>Introduced</a:t>
-            </a:r>
-            <a:r>
-              <a:rPr sz="1400" dirty="0">
-                <a:solidFill>
-                  <a:srgbClr val="595959"/>
-                </a:solidFill>
-                <a:latin typeface="Arial MT"/>
-                <a:cs typeface="Arial MT"/>
-              </a:rPr>
-              <a:t> </a:t>
-            </a:r>
-            <a:r>
-              <a:rPr sz="1400" spc="-35" dirty="0">
-                <a:solidFill>
-                  <a:srgbClr val="595959"/>
-                </a:solidFill>
-                <a:latin typeface="Arial MT"/>
-                <a:cs typeface="Arial MT"/>
-              </a:rPr>
-              <a:t>WebText</a:t>
-            </a:r>
-            <a:r>
-              <a:rPr sz="1400" spc="5" dirty="0">
-                <a:solidFill>
-                  <a:srgbClr val="595959"/>
-                </a:solidFill>
-                <a:latin typeface="Arial MT"/>
-                <a:cs typeface="Arial MT"/>
-              </a:rPr>
-              <a:t> </a:t>
-            </a:r>
-            <a:r>
-              <a:rPr sz="1400" spc="-10" dirty="0">
-                <a:solidFill>
-                  <a:srgbClr val="595959"/>
-                </a:solidFill>
-                <a:latin typeface="Arial MT"/>
-                <a:cs typeface="Arial MT"/>
-              </a:rPr>
-              <a:t>dataset</a:t>
-            </a:r>
-            <a:r>
-              <a:rPr sz="1400" spc="5" dirty="0">
-                <a:solidFill>
-                  <a:srgbClr val="595959"/>
-                </a:solidFill>
-                <a:latin typeface="Arial MT"/>
-                <a:cs typeface="Arial MT"/>
-              </a:rPr>
-              <a:t> </a:t>
-            </a:r>
-            <a:r>
-              <a:rPr sz="1400" spc="-5" dirty="0">
-                <a:solidFill>
-                  <a:srgbClr val="595959"/>
-                </a:solidFill>
-                <a:latin typeface="Arial MT"/>
-                <a:cs typeface="Arial MT"/>
-              </a:rPr>
-              <a:t>-</a:t>
-            </a:r>
-            <a:r>
-              <a:rPr sz="1400" dirty="0">
-                <a:solidFill>
-                  <a:srgbClr val="595959"/>
-                </a:solidFill>
-                <a:latin typeface="Arial MT"/>
-                <a:cs typeface="Arial MT"/>
-              </a:rPr>
-              <a:t> </a:t>
-            </a:r>
-            <a:r>
-              <a:rPr sz="1400" spc="-10" dirty="0">
-                <a:solidFill>
-                  <a:srgbClr val="595959"/>
-                </a:solidFill>
-                <a:latin typeface="Arial MT"/>
-                <a:cs typeface="Arial MT"/>
-              </a:rPr>
-              <a:t>filtered</a:t>
-            </a:r>
-            <a:r>
-              <a:rPr sz="1400" spc="5" dirty="0">
-                <a:solidFill>
-                  <a:srgbClr val="595959"/>
-                </a:solidFill>
-                <a:latin typeface="Arial MT"/>
-                <a:cs typeface="Arial MT"/>
-              </a:rPr>
-              <a:t> </a:t>
-            </a:r>
-            <a:r>
-              <a:rPr sz="1400" spc="-10" dirty="0">
-                <a:solidFill>
-                  <a:srgbClr val="595959"/>
-                </a:solidFill>
-                <a:latin typeface="Arial MT"/>
-                <a:cs typeface="Arial MT"/>
-              </a:rPr>
-              <a:t>webscape</a:t>
-            </a:r>
-            <a:r>
-              <a:rPr sz="1400" spc="5" dirty="0">
-                <a:solidFill>
-                  <a:srgbClr val="595959"/>
-                </a:solidFill>
-                <a:latin typeface="Arial MT"/>
-                <a:cs typeface="Arial MT"/>
-              </a:rPr>
-              <a:t> </a:t>
-            </a:r>
-            <a:r>
-              <a:rPr sz="1400" spc="-10" dirty="0">
-                <a:solidFill>
-                  <a:srgbClr val="595959"/>
-                </a:solidFill>
-                <a:latin typeface="Arial MT"/>
-                <a:cs typeface="Arial MT"/>
-              </a:rPr>
-              <a:t>8M</a:t>
-            </a:r>
-            <a:r>
-              <a:rPr sz="1400" dirty="0">
-                <a:solidFill>
-                  <a:srgbClr val="595959"/>
-                </a:solidFill>
-                <a:latin typeface="Arial MT"/>
-                <a:cs typeface="Arial MT"/>
-              </a:rPr>
-              <a:t> </a:t>
-            </a:r>
-            <a:r>
-              <a:rPr sz="1400" spc="-10" dirty="0">
-                <a:solidFill>
-                  <a:srgbClr val="595959"/>
-                </a:solidFill>
-                <a:latin typeface="Arial MT"/>
-                <a:cs typeface="Arial MT"/>
-              </a:rPr>
-              <a:t>documents</a:t>
-            </a:r>
-            <a:r>
-              <a:rPr sz="1400" spc="5" dirty="0">
-                <a:solidFill>
-                  <a:srgbClr val="595959"/>
-                </a:solidFill>
-                <a:latin typeface="Arial MT"/>
-                <a:cs typeface="Arial MT"/>
-              </a:rPr>
-              <a:t> </a:t>
-            </a:r>
-            <a:r>
-              <a:rPr sz="1400" spc="-10" dirty="0">
-                <a:solidFill>
-                  <a:srgbClr val="595959"/>
-                </a:solidFill>
-                <a:latin typeface="Arial MT"/>
-                <a:cs typeface="Arial MT"/>
-              </a:rPr>
-              <a:t>and </a:t>
-            </a:r>
-            <a:r>
-              <a:rPr sz="1400" spc="-375" dirty="0">
-                <a:solidFill>
-                  <a:srgbClr val="595959"/>
-                </a:solidFill>
-                <a:latin typeface="Arial MT"/>
-                <a:cs typeface="Arial MT"/>
-              </a:rPr>
-              <a:t> </a:t>
-            </a:r>
-            <a:r>
-              <a:rPr sz="1400" spc="-10" dirty="0">
-                <a:solidFill>
-                  <a:srgbClr val="595959"/>
-                </a:solidFill>
-                <a:latin typeface="Arial MT"/>
-                <a:cs typeface="Arial MT"/>
-              </a:rPr>
-              <a:t>40GB text</a:t>
-            </a:r>
-            <a:endParaRPr sz="1400">
-              <a:latin typeface="Arial MT"/>
-              <a:cs typeface="Arial MT"/>
-            </a:endParaRPr>
-          </a:p>
-          <a:p>
-            <a:pPr marL="12700">
-              <a:lnSpc>
-                <a:spcPct val="100000"/>
-              </a:lnSpc>
-              <a:spcBef>
-                <a:spcPts val="1075"/>
-              </a:spcBef>
-            </a:pPr>
-            <a:r>
-              <a:rPr sz="1400" spc="-10" dirty="0">
-                <a:solidFill>
-                  <a:srgbClr val="595959"/>
-                </a:solidFill>
-                <a:latin typeface="Arial MT"/>
-                <a:cs typeface="Arial MT"/>
-              </a:rPr>
-              <a:t>GPT</a:t>
-            </a:r>
-            <a:r>
-              <a:rPr sz="1400" spc="-45" dirty="0">
-                <a:solidFill>
-                  <a:srgbClr val="595959"/>
-                </a:solidFill>
-                <a:latin typeface="Arial MT"/>
-                <a:cs typeface="Arial MT"/>
-              </a:rPr>
-              <a:t> </a:t>
-            </a:r>
-            <a:r>
-              <a:rPr sz="1400" spc="-10" dirty="0">
-                <a:solidFill>
-                  <a:srgbClr val="595959"/>
-                </a:solidFill>
-                <a:latin typeface="Arial MT"/>
-                <a:cs typeface="Arial MT"/>
-              </a:rPr>
-              <a:t>Decoder</a:t>
-            </a:r>
-            <a:r>
-              <a:rPr sz="1400" spc="-45" dirty="0">
-                <a:solidFill>
-                  <a:srgbClr val="595959"/>
-                </a:solidFill>
-                <a:latin typeface="Arial MT"/>
-                <a:cs typeface="Arial MT"/>
-              </a:rPr>
-              <a:t> </a:t>
-            </a:r>
-            <a:r>
-              <a:rPr sz="1400" spc="-10" dirty="0">
-                <a:solidFill>
-                  <a:srgbClr val="595959"/>
-                </a:solidFill>
-                <a:latin typeface="Arial MT"/>
-                <a:cs typeface="Arial MT"/>
-              </a:rPr>
-              <a:t>Transformer</a:t>
-            </a:r>
-            <a:endParaRPr sz="1400">
-              <a:latin typeface="Arial MT"/>
-              <a:cs typeface="Arial MT"/>
-            </a:endParaRPr>
-          </a:p>
-          <a:p>
-            <a:pPr marL="469900" indent="-335915">
-              <a:lnSpc>
-                <a:spcPts val="1635"/>
-              </a:lnSpc>
-              <a:spcBef>
-                <a:spcPts val="1110"/>
-              </a:spcBef>
-              <a:buChar char="●"/>
-              <a:tabLst>
-                <a:tab pos="469265" algn="l"/>
-                <a:tab pos="469900" algn="l"/>
-              </a:tabLst>
-            </a:pPr>
-            <a:r>
-              <a:rPr sz="1400" spc="-10" dirty="0">
-                <a:solidFill>
-                  <a:srgbClr val="595959"/>
-                </a:solidFill>
-                <a:latin typeface="Arial MT"/>
-                <a:cs typeface="Arial MT"/>
-              </a:rPr>
-              <a:t>Layer</a:t>
-            </a:r>
-            <a:r>
-              <a:rPr sz="1400" spc="-5" dirty="0">
-                <a:solidFill>
-                  <a:srgbClr val="595959"/>
-                </a:solidFill>
-                <a:latin typeface="Arial MT"/>
-                <a:cs typeface="Arial MT"/>
-              </a:rPr>
-              <a:t> </a:t>
-            </a:r>
-            <a:r>
-              <a:rPr sz="1400" spc="-10" dirty="0">
-                <a:solidFill>
-                  <a:srgbClr val="595959"/>
-                </a:solidFill>
-                <a:latin typeface="Arial MT"/>
-                <a:cs typeface="Arial MT"/>
-              </a:rPr>
-              <a:t>Norm</a:t>
-            </a:r>
-            <a:r>
-              <a:rPr sz="1400" spc="-5" dirty="0">
-                <a:solidFill>
-                  <a:srgbClr val="595959"/>
-                </a:solidFill>
-                <a:latin typeface="Arial MT"/>
-                <a:cs typeface="Arial MT"/>
-              </a:rPr>
-              <a:t> </a:t>
-            </a:r>
-            <a:r>
-              <a:rPr sz="1400" spc="-10" dirty="0">
-                <a:solidFill>
-                  <a:srgbClr val="595959"/>
-                </a:solidFill>
-                <a:latin typeface="Arial MT"/>
-                <a:cs typeface="Arial MT"/>
-              </a:rPr>
-              <a:t>Input</a:t>
-            </a:r>
-            <a:r>
-              <a:rPr sz="1400" spc="-5" dirty="0">
-                <a:solidFill>
-                  <a:srgbClr val="595959"/>
-                </a:solidFill>
-                <a:latin typeface="Arial MT"/>
-                <a:cs typeface="Arial MT"/>
-              </a:rPr>
-              <a:t> to </a:t>
-            </a:r>
-            <a:r>
-              <a:rPr sz="1400" spc="-10" dirty="0">
-                <a:solidFill>
-                  <a:srgbClr val="595959"/>
-                </a:solidFill>
-                <a:latin typeface="Arial MT"/>
-                <a:cs typeface="Arial MT"/>
-              </a:rPr>
-              <a:t>each</a:t>
-            </a:r>
-            <a:r>
-              <a:rPr sz="1400" spc="-30" dirty="0">
-                <a:solidFill>
-                  <a:srgbClr val="595959"/>
-                </a:solidFill>
-                <a:latin typeface="Arial MT"/>
-                <a:cs typeface="Arial MT"/>
-              </a:rPr>
-              <a:t> </a:t>
-            </a:r>
-            <a:r>
-              <a:rPr sz="1400" spc="-10" dirty="0">
-                <a:solidFill>
-                  <a:srgbClr val="595959"/>
-                </a:solidFill>
-                <a:latin typeface="Arial MT"/>
-                <a:cs typeface="Arial MT"/>
-              </a:rPr>
-              <a:t>Transformer</a:t>
-            </a:r>
-            <a:r>
-              <a:rPr sz="1400" spc="-5" dirty="0">
-                <a:solidFill>
-                  <a:srgbClr val="595959"/>
-                </a:solidFill>
-                <a:latin typeface="Arial MT"/>
-                <a:cs typeface="Arial MT"/>
-              </a:rPr>
-              <a:t> </a:t>
-            </a:r>
-            <a:r>
-              <a:rPr sz="1400" spc="-10" dirty="0">
-                <a:solidFill>
-                  <a:srgbClr val="595959"/>
-                </a:solidFill>
-                <a:latin typeface="Arial MT"/>
-                <a:cs typeface="Arial MT"/>
-              </a:rPr>
-              <a:t>Block</a:t>
-            </a:r>
-            <a:endParaRPr sz="1400">
-              <a:latin typeface="Arial MT"/>
-              <a:cs typeface="Arial MT"/>
-            </a:endParaRPr>
-          </a:p>
-          <a:p>
-            <a:pPr marL="469900" marR="81915" indent="-335915">
-              <a:lnSpc>
-                <a:spcPts val="1590"/>
-              </a:lnSpc>
-              <a:spcBef>
-                <a:spcPts val="85"/>
-              </a:spcBef>
-              <a:buChar char="●"/>
-              <a:tabLst>
-                <a:tab pos="469265" algn="l"/>
-                <a:tab pos="469900" algn="l"/>
-              </a:tabLst>
-            </a:pPr>
-            <a:r>
-              <a:rPr sz="1400" spc="-10" dirty="0">
-                <a:solidFill>
-                  <a:srgbClr val="595959"/>
-                </a:solidFill>
-                <a:latin typeface="Arial MT"/>
-                <a:cs typeface="Arial MT"/>
-              </a:rPr>
-              <a:t>Additional</a:t>
-            </a:r>
-            <a:r>
-              <a:rPr sz="1400" spc="-5" dirty="0">
-                <a:solidFill>
-                  <a:srgbClr val="595959"/>
-                </a:solidFill>
-                <a:latin typeface="Arial MT"/>
-                <a:cs typeface="Arial MT"/>
-              </a:rPr>
-              <a:t> </a:t>
-            </a:r>
-            <a:r>
-              <a:rPr sz="1400" spc="-10" dirty="0">
-                <a:solidFill>
-                  <a:srgbClr val="595959"/>
-                </a:solidFill>
-                <a:latin typeface="Arial MT"/>
-                <a:cs typeface="Arial MT"/>
-              </a:rPr>
-              <a:t>Layer</a:t>
-            </a:r>
-            <a:r>
-              <a:rPr sz="1400" spc="5" dirty="0">
-                <a:solidFill>
-                  <a:srgbClr val="595959"/>
-                </a:solidFill>
-                <a:latin typeface="Arial MT"/>
-                <a:cs typeface="Arial MT"/>
-              </a:rPr>
-              <a:t> </a:t>
-            </a:r>
-            <a:r>
-              <a:rPr sz="1400" spc="-10" dirty="0">
-                <a:solidFill>
-                  <a:srgbClr val="595959"/>
-                </a:solidFill>
-                <a:latin typeface="Arial MT"/>
-                <a:cs typeface="Arial MT"/>
-              </a:rPr>
-              <a:t>Norm</a:t>
-            </a:r>
-            <a:r>
-              <a:rPr sz="1400" dirty="0">
-                <a:solidFill>
-                  <a:srgbClr val="595959"/>
-                </a:solidFill>
-                <a:latin typeface="Arial MT"/>
-                <a:cs typeface="Arial MT"/>
-              </a:rPr>
-              <a:t> </a:t>
-            </a:r>
-            <a:r>
-              <a:rPr sz="1400" spc="-5" dirty="0">
-                <a:solidFill>
-                  <a:srgbClr val="595959"/>
-                </a:solidFill>
-                <a:latin typeface="Arial MT"/>
-                <a:cs typeface="Arial MT"/>
-              </a:rPr>
-              <a:t>to</a:t>
-            </a:r>
-            <a:r>
-              <a:rPr sz="1400" spc="5" dirty="0">
-                <a:solidFill>
-                  <a:srgbClr val="595959"/>
-                </a:solidFill>
-                <a:latin typeface="Arial MT"/>
-                <a:cs typeface="Arial MT"/>
-              </a:rPr>
-              <a:t> </a:t>
-            </a:r>
-            <a:r>
-              <a:rPr sz="1400" spc="-10" dirty="0">
-                <a:solidFill>
-                  <a:srgbClr val="595959"/>
-                </a:solidFill>
-                <a:latin typeface="Arial MT"/>
-                <a:cs typeface="Arial MT"/>
-              </a:rPr>
-              <a:t>the</a:t>
-            </a:r>
-            <a:r>
-              <a:rPr sz="1400" dirty="0">
-                <a:solidFill>
-                  <a:srgbClr val="595959"/>
-                </a:solidFill>
-                <a:latin typeface="Arial MT"/>
-                <a:cs typeface="Arial MT"/>
-              </a:rPr>
-              <a:t> </a:t>
-            </a:r>
-            <a:r>
-              <a:rPr sz="1400" spc="-10" dirty="0">
-                <a:solidFill>
-                  <a:srgbClr val="595959"/>
-                </a:solidFill>
-                <a:latin typeface="Arial MT"/>
-                <a:cs typeface="Arial MT"/>
-              </a:rPr>
-              <a:t>output</a:t>
-            </a:r>
-            <a:r>
-              <a:rPr sz="1400" spc="5" dirty="0">
-                <a:solidFill>
-                  <a:srgbClr val="595959"/>
-                </a:solidFill>
-                <a:latin typeface="Arial MT"/>
-                <a:cs typeface="Arial MT"/>
-              </a:rPr>
-              <a:t> </a:t>
-            </a:r>
-            <a:r>
-              <a:rPr sz="1400" spc="-5" dirty="0">
-                <a:solidFill>
-                  <a:srgbClr val="595959"/>
-                </a:solidFill>
-                <a:latin typeface="Arial MT"/>
-                <a:cs typeface="Arial MT"/>
-              </a:rPr>
-              <a:t>of</a:t>
-            </a:r>
-            <a:r>
-              <a:rPr sz="1400" dirty="0">
-                <a:solidFill>
-                  <a:srgbClr val="595959"/>
-                </a:solidFill>
-                <a:latin typeface="Arial MT"/>
-                <a:cs typeface="Arial MT"/>
-              </a:rPr>
-              <a:t> </a:t>
-            </a:r>
-            <a:r>
-              <a:rPr sz="1400" spc="-10" dirty="0">
-                <a:solidFill>
-                  <a:srgbClr val="595959"/>
-                </a:solidFill>
-                <a:latin typeface="Arial MT"/>
-                <a:cs typeface="Arial MT"/>
-              </a:rPr>
-              <a:t>the</a:t>
-            </a:r>
-            <a:r>
-              <a:rPr sz="1400" spc="5" dirty="0">
-                <a:solidFill>
-                  <a:srgbClr val="595959"/>
-                </a:solidFill>
-                <a:latin typeface="Arial MT"/>
-                <a:cs typeface="Arial MT"/>
-              </a:rPr>
-              <a:t> </a:t>
-            </a:r>
-            <a:r>
-              <a:rPr sz="1400" spc="-10" dirty="0">
-                <a:solidFill>
-                  <a:srgbClr val="595959"/>
-                </a:solidFill>
-                <a:latin typeface="Arial MT"/>
-                <a:cs typeface="Arial MT"/>
-              </a:rPr>
-              <a:t>final</a:t>
-            </a:r>
-            <a:r>
-              <a:rPr sz="1400" dirty="0">
-                <a:solidFill>
-                  <a:srgbClr val="595959"/>
-                </a:solidFill>
-                <a:latin typeface="Arial MT"/>
-                <a:cs typeface="Arial MT"/>
-              </a:rPr>
-              <a:t> </a:t>
-            </a:r>
-            <a:r>
-              <a:rPr sz="1400" spc="-10" dirty="0">
-                <a:solidFill>
-                  <a:srgbClr val="595959"/>
-                </a:solidFill>
-                <a:latin typeface="Arial MT"/>
-                <a:cs typeface="Arial MT"/>
-              </a:rPr>
-              <a:t>Self-Attention </a:t>
-            </a:r>
-            <a:r>
-              <a:rPr sz="1400" spc="-370" dirty="0">
-                <a:solidFill>
-                  <a:srgbClr val="595959"/>
-                </a:solidFill>
-                <a:latin typeface="Arial MT"/>
-                <a:cs typeface="Arial MT"/>
-              </a:rPr>
-              <a:t> </a:t>
-            </a:r>
-            <a:r>
-              <a:rPr sz="1400" spc="-10" dirty="0">
-                <a:solidFill>
-                  <a:srgbClr val="595959"/>
-                </a:solidFill>
-                <a:latin typeface="Arial MT"/>
-                <a:cs typeface="Arial MT"/>
-              </a:rPr>
-              <a:t>Block</a:t>
-            </a:r>
-            <a:endParaRPr sz="1400">
-              <a:latin typeface="Arial MT"/>
-              <a:cs typeface="Arial MT"/>
-            </a:endParaRPr>
-          </a:p>
-          <a:p>
-            <a:pPr marL="469900" indent="-335915">
-              <a:lnSpc>
-                <a:spcPts val="1510"/>
-              </a:lnSpc>
-              <a:buChar char="●"/>
-              <a:tabLst>
-                <a:tab pos="469265" algn="l"/>
-                <a:tab pos="469900" algn="l"/>
-              </a:tabLst>
-            </a:pPr>
-            <a:r>
-              <a:rPr sz="1400" spc="-10" dirty="0">
-                <a:solidFill>
-                  <a:srgbClr val="595959"/>
-                </a:solidFill>
-                <a:latin typeface="Arial MT"/>
-                <a:cs typeface="Arial MT"/>
-              </a:rPr>
-              <a:t>Larger</a:t>
-            </a:r>
-            <a:r>
-              <a:rPr sz="1400" spc="-20" dirty="0">
-                <a:solidFill>
-                  <a:srgbClr val="595959"/>
-                </a:solidFill>
-                <a:latin typeface="Arial MT"/>
-                <a:cs typeface="Arial MT"/>
-              </a:rPr>
-              <a:t> </a:t>
-            </a:r>
-            <a:r>
-              <a:rPr sz="1400" spc="-5" dirty="0">
-                <a:solidFill>
-                  <a:srgbClr val="595959"/>
-                </a:solidFill>
-                <a:latin typeface="Arial MT"/>
-                <a:cs typeface="Arial MT"/>
-              </a:rPr>
-              <a:t>vocabulary:</a:t>
-            </a:r>
-            <a:r>
-              <a:rPr sz="1400" spc="-20" dirty="0">
-                <a:solidFill>
-                  <a:srgbClr val="595959"/>
-                </a:solidFill>
-                <a:latin typeface="Arial MT"/>
-                <a:cs typeface="Arial MT"/>
-              </a:rPr>
-              <a:t> </a:t>
-            </a:r>
-            <a:r>
-              <a:rPr sz="1400" spc="-10" dirty="0">
-                <a:solidFill>
-                  <a:srgbClr val="595959"/>
-                </a:solidFill>
-                <a:latin typeface="Arial MT"/>
-                <a:cs typeface="Arial MT"/>
-              </a:rPr>
-              <a:t>50k</a:t>
-            </a:r>
-            <a:endParaRPr sz="1400">
-              <a:latin typeface="Arial MT"/>
-              <a:cs typeface="Arial MT"/>
-            </a:endParaRPr>
-          </a:p>
-          <a:p>
-            <a:pPr marL="469900" indent="-335915">
-              <a:lnSpc>
-                <a:spcPts val="1590"/>
-              </a:lnSpc>
-              <a:buChar char="●"/>
-              <a:tabLst>
-                <a:tab pos="469265" algn="l"/>
-                <a:tab pos="469900" algn="l"/>
-              </a:tabLst>
-            </a:pPr>
-            <a:r>
-              <a:rPr sz="1400" spc="-10" dirty="0">
-                <a:solidFill>
-                  <a:srgbClr val="595959"/>
-                </a:solidFill>
-                <a:latin typeface="Arial MT"/>
-                <a:cs typeface="Arial MT"/>
-              </a:rPr>
-              <a:t>Input </a:t>
-            </a:r>
-            <a:r>
-              <a:rPr sz="1400" spc="-5" dirty="0">
-                <a:solidFill>
-                  <a:srgbClr val="595959"/>
-                </a:solidFill>
-                <a:latin typeface="Arial MT"/>
-                <a:cs typeface="Arial MT"/>
-              </a:rPr>
-              <a:t>context</a:t>
-            </a:r>
-            <a:r>
-              <a:rPr sz="1400" spc="-10" dirty="0">
-                <a:solidFill>
-                  <a:srgbClr val="595959"/>
-                </a:solidFill>
-                <a:latin typeface="Arial MT"/>
-                <a:cs typeface="Arial MT"/>
-              </a:rPr>
-              <a:t> from 512</a:t>
-            </a:r>
-            <a:r>
-              <a:rPr sz="1400" spc="-5" dirty="0">
-                <a:solidFill>
-                  <a:srgbClr val="595959"/>
-                </a:solidFill>
-                <a:latin typeface="Arial MT"/>
-                <a:cs typeface="Arial MT"/>
-              </a:rPr>
-              <a:t> to</a:t>
-            </a:r>
-            <a:r>
-              <a:rPr sz="1400" spc="-10" dirty="0">
-                <a:solidFill>
-                  <a:srgbClr val="595959"/>
-                </a:solidFill>
-                <a:latin typeface="Arial MT"/>
-                <a:cs typeface="Arial MT"/>
-              </a:rPr>
-              <a:t> 1,024</a:t>
-            </a:r>
-            <a:endParaRPr sz="1400">
-              <a:latin typeface="Arial MT"/>
-              <a:cs typeface="Arial MT"/>
-            </a:endParaRPr>
-          </a:p>
-          <a:p>
-            <a:pPr marL="469900" indent="-335915">
-              <a:lnSpc>
-                <a:spcPts val="1635"/>
-              </a:lnSpc>
-              <a:buChar char="●"/>
-              <a:tabLst>
-                <a:tab pos="469265" algn="l"/>
-                <a:tab pos="469900" algn="l"/>
-              </a:tabLst>
-            </a:pPr>
-            <a:r>
-              <a:rPr sz="1400" spc="-10" dirty="0">
-                <a:solidFill>
-                  <a:srgbClr val="595959"/>
-                </a:solidFill>
-                <a:latin typeface="Arial MT"/>
-                <a:cs typeface="Arial MT"/>
-              </a:rPr>
-              <a:t>With</a:t>
-            </a:r>
-            <a:r>
-              <a:rPr sz="1400" spc="-5" dirty="0">
-                <a:solidFill>
-                  <a:srgbClr val="595959"/>
-                </a:solidFill>
-                <a:latin typeface="Arial MT"/>
-                <a:cs typeface="Arial MT"/>
-              </a:rPr>
-              <a:t> </a:t>
-            </a:r>
-            <a:r>
-              <a:rPr sz="1400" spc="-10" dirty="0">
-                <a:solidFill>
-                  <a:srgbClr val="595959"/>
-                </a:solidFill>
-                <a:latin typeface="Arial MT"/>
-                <a:cs typeface="Arial MT"/>
-              </a:rPr>
-              <a:t>48</a:t>
-            </a:r>
-            <a:r>
-              <a:rPr sz="1400" spc="-25" dirty="0">
-                <a:solidFill>
-                  <a:srgbClr val="595959"/>
-                </a:solidFill>
-                <a:latin typeface="Arial MT"/>
-                <a:cs typeface="Arial MT"/>
-              </a:rPr>
-              <a:t> </a:t>
-            </a:r>
-            <a:r>
-              <a:rPr sz="1400" spc="-10" dirty="0">
-                <a:solidFill>
-                  <a:srgbClr val="595959"/>
-                </a:solidFill>
-                <a:latin typeface="Arial MT"/>
-                <a:cs typeface="Arial MT"/>
-              </a:rPr>
-              <a:t>Transformer</a:t>
-            </a:r>
-            <a:r>
-              <a:rPr sz="1400" spc="-5" dirty="0">
-                <a:solidFill>
-                  <a:srgbClr val="595959"/>
-                </a:solidFill>
-                <a:latin typeface="Arial MT"/>
-                <a:cs typeface="Arial MT"/>
-              </a:rPr>
-              <a:t> </a:t>
-            </a:r>
-            <a:r>
-              <a:rPr sz="1400" spc="-10" dirty="0">
-                <a:solidFill>
-                  <a:srgbClr val="595959"/>
-                </a:solidFill>
-                <a:latin typeface="Arial MT"/>
-                <a:cs typeface="Arial MT"/>
-              </a:rPr>
-              <a:t>Layers,</a:t>
-            </a:r>
-            <a:r>
-              <a:rPr sz="1400" dirty="0">
-                <a:solidFill>
-                  <a:srgbClr val="595959"/>
-                </a:solidFill>
-                <a:latin typeface="Arial MT"/>
-                <a:cs typeface="Arial MT"/>
-              </a:rPr>
-              <a:t> </a:t>
-            </a:r>
-            <a:r>
-              <a:rPr sz="1400" spc="-5" dirty="0">
-                <a:solidFill>
-                  <a:srgbClr val="595959"/>
-                </a:solidFill>
-                <a:latin typeface="Arial MT"/>
-                <a:cs typeface="Arial MT"/>
-              </a:rPr>
-              <a:t>model</a:t>
-            </a:r>
-            <a:r>
-              <a:rPr sz="1400" dirty="0">
-                <a:solidFill>
-                  <a:srgbClr val="595959"/>
-                </a:solidFill>
-                <a:latin typeface="Arial MT"/>
-                <a:cs typeface="Arial MT"/>
-              </a:rPr>
-              <a:t> </a:t>
-            </a:r>
-            <a:r>
-              <a:rPr sz="1400" spc="-5" dirty="0">
-                <a:solidFill>
-                  <a:srgbClr val="595959"/>
-                </a:solidFill>
-                <a:latin typeface="Arial MT"/>
-                <a:cs typeface="Arial MT"/>
-              </a:rPr>
-              <a:t>size is</a:t>
-            </a:r>
-            <a:r>
-              <a:rPr sz="1400" dirty="0">
-                <a:solidFill>
-                  <a:srgbClr val="595959"/>
-                </a:solidFill>
-                <a:latin typeface="Arial MT"/>
-                <a:cs typeface="Arial MT"/>
-              </a:rPr>
-              <a:t> </a:t>
-            </a:r>
-            <a:r>
-              <a:rPr sz="1400" spc="-10" dirty="0">
-                <a:solidFill>
-                  <a:srgbClr val="595959"/>
-                </a:solidFill>
-                <a:latin typeface="Arial MT"/>
-                <a:cs typeface="Arial MT"/>
-              </a:rPr>
-              <a:t>1.5B</a:t>
-            </a:r>
-            <a:r>
-              <a:rPr sz="1400" spc="-5" dirty="0">
-                <a:solidFill>
-                  <a:srgbClr val="595959"/>
-                </a:solidFill>
-                <a:latin typeface="Arial MT"/>
-                <a:cs typeface="Arial MT"/>
-              </a:rPr>
-              <a:t> </a:t>
-            </a:r>
-            <a:r>
-              <a:rPr sz="1400" spc="-10" dirty="0">
-                <a:solidFill>
-                  <a:srgbClr val="595959"/>
-                </a:solidFill>
-                <a:latin typeface="Arial MT"/>
-                <a:cs typeface="Arial MT"/>
-              </a:rPr>
-              <a:t>params</a:t>
-            </a:r>
-            <a:endParaRPr sz="1400">
-              <a:latin typeface="Arial MT"/>
-              <a:cs typeface="Arial MT"/>
-            </a:endParaRPr>
-          </a:p>
-          <a:p>
-            <a:pPr marL="12700">
-              <a:lnSpc>
-                <a:spcPct val="100000"/>
-              </a:lnSpc>
-              <a:spcBef>
-                <a:spcPts val="1110"/>
-              </a:spcBef>
-            </a:pPr>
-            <a:r>
-              <a:rPr sz="1400" spc="-10" dirty="0">
-                <a:solidFill>
-                  <a:srgbClr val="595959"/>
-                </a:solidFill>
-                <a:latin typeface="Arial MT"/>
-                <a:cs typeface="Arial MT"/>
-              </a:rPr>
-              <a:t>Zero-shot</a:t>
-            </a:r>
-            <a:r>
-              <a:rPr sz="1400" spc="-5" dirty="0">
-                <a:solidFill>
-                  <a:srgbClr val="595959"/>
-                </a:solidFill>
-                <a:latin typeface="Arial MT"/>
-                <a:cs typeface="Arial MT"/>
-              </a:rPr>
-              <a:t> </a:t>
-            </a:r>
-            <a:r>
-              <a:rPr sz="1400" spc="-35" dirty="0">
-                <a:solidFill>
-                  <a:srgbClr val="595959"/>
-                </a:solidFill>
-                <a:latin typeface="Arial MT"/>
-                <a:cs typeface="Arial MT"/>
-              </a:rPr>
-              <a:t>SOTA</a:t>
-            </a:r>
-            <a:r>
-              <a:rPr sz="1400" spc="-85" dirty="0">
-                <a:solidFill>
-                  <a:srgbClr val="595959"/>
-                </a:solidFill>
-                <a:latin typeface="Arial MT"/>
-                <a:cs typeface="Arial MT"/>
-              </a:rPr>
-              <a:t> </a:t>
-            </a:r>
-            <a:r>
-              <a:rPr sz="1400" spc="-10" dirty="0">
-                <a:solidFill>
-                  <a:srgbClr val="595959"/>
-                </a:solidFill>
-                <a:latin typeface="Arial MT"/>
-                <a:cs typeface="Arial MT"/>
-              </a:rPr>
-              <a:t>on</a:t>
-            </a:r>
-            <a:r>
-              <a:rPr sz="1400" spc="-5" dirty="0">
-                <a:solidFill>
-                  <a:srgbClr val="595959"/>
-                </a:solidFill>
-                <a:latin typeface="Arial MT"/>
-                <a:cs typeface="Arial MT"/>
-              </a:rPr>
-              <a:t> several </a:t>
-            </a:r>
-            <a:r>
-              <a:rPr sz="1400" spc="-10" dirty="0">
-                <a:solidFill>
-                  <a:srgbClr val="595959"/>
-                </a:solidFill>
-                <a:latin typeface="Arial MT"/>
-                <a:cs typeface="Arial MT"/>
-              </a:rPr>
-              <a:t>language</a:t>
-            </a:r>
-            <a:r>
-              <a:rPr sz="1400" spc="-5" dirty="0">
-                <a:solidFill>
-                  <a:srgbClr val="595959"/>
-                </a:solidFill>
-                <a:latin typeface="Arial MT"/>
-                <a:cs typeface="Arial MT"/>
-              </a:rPr>
-              <a:t> </a:t>
-            </a:r>
-            <a:r>
-              <a:rPr sz="1400" spc="-10" dirty="0">
-                <a:solidFill>
-                  <a:srgbClr val="595959"/>
-                </a:solidFill>
-                <a:latin typeface="Arial MT"/>
-                <a:cs typeface="Arial MT"/>
-              </a:rPr>
-              <a:t>tasks</a:t>
-            </a:r>
-            <a:endParaRPr sz="1400">
-              <a:latin typeface="Arial MT"/>
-              <a:cs typeface="Arial MT"/>
-            </a:endParaRPr>
-          </a:p>
-        </p:txBody>
-      </p:sp>
-      <p:pic>
-        <p:nvPicPr>
-          <p:cNvPr id="4" name="object 4"/>
-          <p:cNvPicPr/>
-          <p:nvPr/>
-        </p:nvPicPr>
-        <p:blipFill>
-          <a:blip r:embed="rId2" cstate="print"/>
-          <a:stretch>
-            <a:fillRect/>
-          </a:stretch>
-        </p:blipFill>
-        <p:spPr>
-          <a:xfrm>
-            <a:off x="6228557" y="2556291"/>
-            <a:ext cx="2687074" cy="2310884"/>
-          </a:xfrm>
-          <a:prstGeom prst="rect">
-            <a:avLst/>
-          </a:prstGeom>
-        </p:spPr>
-      </p:pic>
-      <p:sp>
-        <p:nvSpPr>
-          <p:cNvPr id="5" name="object 5"/>
-          <p:cNvSpPr txBox="1"/>
-          <p:nvPr/>
-        </p:nvSpPr>
-        <p:spPr>
-          <a:xfrm>
-            <a:off x="6098899" y="577249"/>
-            <a:ext cx="2993390" cy="1965960"/>
-          </a:xfrm>
-          <a:prstGeom prst="rect">
-            <a:avLst/>
-          </a:prstGeom>
-          <a:ln w="9524">
-            <a:solidFill>
-              <a:srgbClr val="9E9E9E"/>
-            </a:solidFill>
-          </a:ln>
-        </p:spPr>
-        <p:txBody>
-          <a:bodyPr vert="horz" wrap="square" lIns="0" tIns="79375" rIns="0" bIns="0" rtlCol="0">
-            <a:spAutoFit/>
-          </a:bodyPr>
-          <a:lstStyle/>
-          <a:p>
-            <a:pPr marL="85725">
-              <a:lnSpc>
-                <a:spcPct val="100000"/>
-              </a:lnSpc>
-              <a:spcBef>
-                <a:spcPts val="625"/>
-              </a:spcBef>
-            </a:pPr>
-            <a:r>
-              <a:rPr sz="1200" spc="-5" dirty="0">
-                <a:latin typeface="Arial MT"/>
-                <a:cs typeface="Arial MT"/>
-              </a:rPr>
-              <a:t>Winograd</a:t>
-            </a:r>
-            <a:r>
-              <a:rPr sz="1200" spc="-50" dirty="0">
-                <a:latin typeface="Arial MT"/>
-                <a:cs typeface="Arial MT"/>
-              </a:rPr>
-              <a:t> </a:t>
-            </a:r>
-            <a:r>
-              <a:rPr sz="1200" spc="-5" dirty="0">
-                <a:latin typeface="Arial MT"/>
-                <a:cs typeface="Arial MT"/>
-              </a:rPr>
-              <a:t>Example</a:t>
-            </a:r>
-            <a:endParaRPr sz="1200">
-              <a:latin typeface="Arial MT"/>
-              <a:cs typeface="Arial MT"/>
-            </a:endParaRPr>
-          </a:p>
-          <a:p>
-            <a:pPr marL="466725" marR="617220">
-              <a:lnSpc>
-                <a:spcPct val="114999"/>
-              </a:lnSpc>
-            </a:pPr>
-            <a:r>
-              <a:rPr sz="1200" i="1" spc="-5" dirty="0">
-                <a:latin typeface="Arial"/>
-                <a:cs typeface="Arial"/>
-              </a:rPr>
-              <a:t>The</a:t>
-            </a:r>
-            <a:r>
-              <a:rPr sz="1200" i="1" spc="-35" dirty="0">
-                <a:latin typeface="Arial"/>
-                <a:cs typeface="Arial"/>
-              </a:rPr>
-              <a:t> </a:t>
-            </a:r>
-            <a:r>
-              <a:rPr sz="1200" i="1" dirty="0">
-                <a:latin typeface="Arial"/>
-                <a:cs typeface="Arial"/>
-              </a:rPr>
-              <a:t>city</a:t>
-            </a:r>
-            <a:r>
-              <a:rPr sz="1200" i="1" spc="-35" dirty="0">
-                <a:latin typeface="Arial"/>
-                <a:cs typeface="Arial"/>
-              </a:rPr>
-              <a:t> </a:t>
-            </a:r>
-            <a:r>
-              <a:rPr sz="1200" i="1" dirty="0">
-                <a:latin typeface="Arial"/>
-                <a:cs typeface="Arial"/>
-              </a:rPr>
-              <a:t>councilmen</a:t>
-            </a:r>
-            <a:r>
-              <a:rPr sz="1200" i="1" spc="-35" dirty="0">
-                <a:latin typeface="Arial"/>
-                <a:cs typeface="Arial"/>
-              </a:rPr>
-              <a:t> </a:t>
-            </a:r>
-            <a:r>
-              <a:rPr sz="1200" i="1" dirty="0">
-                <a:latin typeface="Arial"/>
-                <a:cs typeface="Arial"/>
-              </a:rPr>
-              <a:t>refused </a:t>
-            </a:r>
-            <a:r>
-              <a:rPr sz="1200" i="1" spc="-320" dirty="0">
-                <a:latin typeface="Arial"/>
-                <a:cs typeface="Arial"/>
-              </a:rPr>
-              <a:t> </a:t>
-            </a:r>
-            <a:r>
-              <a:rPr sz="1200" i="1" spc="-5" dirty="0">
-                <a:latin typeface="Arial"/>
-                <a:cs typeface="Arial"/>
-              </a:rPr>
-              <a:t>the demonstrators </a:t>
-            </a:r>
-            <a:r>
-              <a:rPr sz="1200" i="1" dirty="0">
-                <a:latin typeface="Arial"/>
-                <a:cs typeface="Arial"/>
-              </a:rPr>
-              <a:t>a </a:t>
-            </a:r>
-            <a:r>
-              <a:rPr sz="1200" i="1" spc="-5" dirty="0">
-                <a:latin typeface="Arial"/>
-                <a:cs typeface="Arial"/>
-              </a:rPr>
-              <a:t>permit </a:t>
-            </a:r>
-            <a:r>
-              <a:rPr sz="1200" i="1" dirty="0">
-                <a:latin typeface="Arial"/>
-                <a:cs typeface="Arial"/>
-              </a:rPr>
-              <a:t> </a:t>
-            </a:r>
-            <a:r>
-              <a:rPr sz="1200" i="1" spc="-5" dirty="0">
-                <a:latin typeface="Arial"/>
-                <a:cs typeface="Arial"/>
-              </a:rPr>
-              <a:t>because they </a:t>
-            </a:r>
-            <a:r>
-              <a:rPr sz="1200" i="1" dirty="0">
-                <a:latin typeface="Arial"/>
-                <a:cs typeface="Arial"/>
-              </a:rPr>
-              <a:t> </a:t>
-            </a:r>
-            <a:r>
-              <a:rPr sz="1200" i="1" spc="-5" dirty="0">
-                <a:latin typeface="Arial"/>
-                <a:cs typeface="Arial"/>
-              </a:rPr>
-              <a:t>[feared/advocated</a:t>
-            </a:r>
-            <a:r>
-              <a:rPr sz="1200" i="1" dirty="0">
-                <a:latin typeface="Arial"/>
-                <a:cs typeface="Arial"/>
-              </a:rPr>
-              <a:t>]</a:t>
-            </a:r>
-            <a:r>
-              <a:rPr sz="1200" i="1" spc="-5" dirty="0">
-                <a:latin typeface="Arial"/>
-                <a:cs typeface="Arial"/>
-              </a:rPr>
-              <a:t> </a:t>
-            </a:r>
-            <a:r>
-              <a:rPr sz="1200" i="1" dirty="0">
-                <a:latin typeface="Arial"/>
-                <a:cs typeface="Arial"/>
-              </a:rPr>
-              <a:t>violence.</a:t>
-            </a:r>
-            <a:endParaRPr sz="1200">
-              <a:latin typeface="Arial"/>
-              <a:cs typeface="Arial"/>
-            </a:endParaRPr>
-          </a:p>
-          <a:p>
-            <a:pPr marL="85725" marR="191770">
-              <a:lnSpc>
-                <a:spcPct val="100000"/>
-              </a:lnSpc>
-              <a:spcBef>
-                <a:spcPts val="215"/>
-              </a:spcBef>
-            </a:pPr>
-            <a:r>
-              <a:rPr sz="1200" spc="-5" dirty="0">
-                <a:latin typeface="Arial MT"/>
-                <a:cs typeface="Arial MT"/>
-              </a:rPr>
-              <a:t>If the word is </a:t>
-            </a:r>
-            <a:r>
-              <a:rPr sz="1200" dirty="0">
-                <a:latin typeface="Arial MT"/>
-                <a:cs typeface="Arial MT"/>
-              </a:rPr>
-              <a:t>``feared'', </a:t>
-            </a:r>
-            <a:r>
-              <a:rPr sz="1200" spc="-5" dirty="0">
-                <a:latin typeface="Arial MT"/>
-                <a:cs typeface="Arial MT"/>
-              </a:rPr>
-              <a:t>then </a:t>
-            </a:r>
-            <a:r>
-              <a:rPr sz="1200" dirty="0">
-                <a:latin typeface="Arial MT"/>
-                <a:cs typeface="Arial MT"/>
-              </a:rPr>
-              <a:t>``they'' </a:t>
-            </a:r>
-            <a:r>
-              <a:rPr sz="1200" spc="5" dirty="0">
-                <a:latin typeface="Arial MT"/>
-                <a:cs typeface="Arial MT"/>
-              </a:rPr>
-              <a:t> </a:t>
-            </a:r>
-            <a:r>
-              <a:rPr sz="1200" spc="-5" dirty="0">
-                <a:latin typeface="Arial MT"/>
-                <a:cs typeface="Arial MT"/>
-              </a:rPr>
-              <a:t>presumably</a:t>
-            </a:r>
-            <a:r>
-              <a:rPr sz="1200" spc="-20" dirty="0">
-                <a:latin typeface="Arial MT"/>
-                <a:cs typeface="Arial MT"/>
-              </a:rPr>
-              <a:t> </a:t>
-            </a:r>
-            <a:r>
-              <a:rPr sz="1200" dirty="0">
-                <a:latin typeface="Arial MT"/>
-                <a:cs typeface="Arial MT"/>
-              </a:rPr>
-              <a:t>refers</a:t>
-            </a:r>
-            <a:r>
-              <a:rPr sz="1200" spc="-15" dirty="0">
-                <a:latin typeface="Arial MT"/>
-                <a:cs typeface="Arial MT"/>
-              </a:rPr>
-              <a:t> </a:t>
-            </a:r>
-            <a:r>
-              <a:rPr sz="1200" spc="-5" dirty="0">
-                <a:latin typeface="Arial MT"/>
-                <a:cs typeface="Arial MT"/>
-              </a:rPr>
-              <a:t>to</a:t>
-            </a:r>
-            <a:r>
-              <a:rPr sz="1200" spc="-15" dirty="0">
-                <a:latin typeface="Arial MT"/>
-                <a:cs typeface="Arial MT"/>
-              </a:rPr>
-              <a:t> </a:t>
-            </a:r>
-            <a:r>
-              <a:rPr sz="1200" spc="-5" dirty="0">
-                <a:latin typeface="Arial MT"/>
-                <a:cs typeface="Arial MT"/>
-              </a:rPr>
-              <a:t>the</a:t>
-            </a:r>
-            <a:r>
-              <a:rPr sz="1200" spc="-15" dirty="0">
-                <a:latin typeface="Arial MT"/>
-                <a:cs typeface="Arial MT"/>
-              </a:rPr>
-              <a:t> </a:t>
-            </a:r>
-            <a:r>
-              <a:rPr sz="1200" dirty="0">
-                <a:latin typeface="Arial MT"/>
-                <a:cs typeface="Arial MT"/>
-              </a:rPr>
-              <a:t>city</a:t>
-            </a:r>
-            <a:r>
-              <a:rPr sz="1200" spc="-15" dirty="0">
-                <a:latin typeface="Arial MT"/>
-                <a:cs typeface="Arial MT"/>
-              </a:rPr>
-              <a:t> </a:t>
-            </a:r>
-            <a:r>
-              <a:rPr sz="1200" dirty="0">
-                <a:latin typeface="Arial MT"/>
-                <a:cs typeface="Arial MT"/>
-              </a:rPr>
-              <a:t>council;</a:t>
-            </a:r>
-            <a:r>
-              <a:rPr sz="1200" spc="-20" dirty="0">
-                <a:latin typeface="Arial MT"/>
-                <a:cs typeface="Arial MT"/>
-              </a:rPr>
-              <a:t> </a:t>
-            </a:r>
-            <a:r>
-              <a:rPr sz="1200" spc="-5" dirty="0">
-                <a:latin typeface="Arial MT"/>
-                <a:cs typeface="Arial MT"/>
-              </a:rPr>
-              <a:t>if</a:t>
-            </a:r>
-            <a:r>
-              <a:rPr sz="1200" spc="-15" dirty="0">
-                <a:latin typeface="Arial MT"/>
-                <a:cs typeface="Arial MT"/>
-              </a:rPr>
-              <a:t> </a:t>
-            </a:r>
-            <a:r>
-              <a:rPr sz="1200" spc="-5" dirty="0">
-                <a:latin typeface="Arial MT"/>
-                <a:cs typeface="Arial MT"/>
-              </a:rPr>
-              <a:t>it </a:t>
-            </a:r>
-            <a:r>
-              <a:rPr sz="1200" spc="-315" dirty="0">
-                <a:latin typeface="Arial MT"/>
-                <a:cs typeface="Arial MT"/>
-              </a:rPr>
-              <a:t> </a:t>
-            </a:r>
-            <a:r>
-              <a:rPr sz="1200" spc="-5" dirty="0">
-                <a:latin typeface="Arial MT"/>
-                <a:cs typeface="Arial MT"/>
-              </a:rPr>
-              <a:t>is </a:t>
-            </a:r>
-            <a:r>
-              <a:rPr sz="1200" dirty="0">
-                <a:latin typeface="Arial MT"/>
-                <a:cs typeface="Arial MT"/>
-              </a:rPr>
-              <a:t>``advocated'' </a:t>
-            </a:r>
-            <a:r>
-              <a:rPr sz="1200" spc="-5" dirty="0">
-                <a:latin typeface="Arial MT"/>
-                <a:cs typeface="Arial MT"/>
-              </a:rPr>
-              <a:t>then </a:t>
-            </a:r>
-            <a:r>
-              <a:rPr sz="1200" dirty="0">
-                <a:latin typeface="Arial MT"/>
-                <a:cs typeface="Arial MT"/>
-              </a:rPr>
-              <a:t>``they'' </a:t>
-            </a:r>
-            <a:r>
-              <a:rPr sz="1200" spc="-5" dirty="0">
-                <a:latin typeface="Arial MT"/>
-                <a:cs typeface="Arial MT"/>
-              </a:rPr>
-              <a:t>presumably </a:t>
-            </a:r>
-            <a:r>
-              <a:rPr sz="1200" spc="-320" dirty="0">
-                <a:latin typeface="Arial MT"/>
-                <a:cs typeface="Arial MT"/>
-              </a:rPr>
-              <a:t> </a:t>
-            </a:r>
-            <a:r>
-              <a:rPr sz="1200" dirty="0">
-                <a:latin typeface="Arial MT"/>
-                <a:cs typeface="Arial MT"/>
-              </a:rPr>
-              <a:t>refers</a:t>
-            </a:r>
-            <a:r>
-              <a:rPr sz="1200" spc="-10" dirty="0">
-                <a:latin typeface="Arial MT"/>
-                <a:cs typeface="Arial MT"/>
-              </a:rPr>
-              <a:t> </a:t>
-            </a:r>
-            <a:r>
-              <a:rPr sz="1200" spc="-5" dirty="0">
-                <a:latin typeface="Arial MT"/>
-                <a:cs typeface="Arial MT"/>
-              </a:rPr>
-              <a:t>to</a:t>
-            </a:r>
-            <a:r>
-              <a:rPr sz="1200" spc="-10" dirty="0">
-                <a:latin typeface="Arial MT"/>
-                <a:cs typeface="Arial MT"/>
-              </a:rPr>
-              <a:t> </a:t>
-            </a:r>
-            <a:r>
-              <a:rPr sz="1200" spc="-5" dirty="0">
-                <a:latin typeface="Arial MT"/>
-                <a:cs typeface="Arial MT"/>
-              </a:rPr>
-              <a:t>the</a:t>
-            </a:r>
-            <a:r>
-              <a:rPr sz="1200" spc="-10" dirty="0">
-                <a:latin typeface="Arial MT"/>
-                <a:cs typeface="Arial MT"/>
-              </a:rPr>
-              <a:t> </a:t>
-            </a:r>
-            <a:r>
-              <a:rPr sz="1200" spc="-5" dirty="0">
-                <a:latin typeface="Arial MT"/>
-                <a:cs typeface="Arial MT"/>
-              </a:rPr>
-              <a:t>demonstrators.</a:t>
-            </a:r>
-            <a:endParaRPr sz="1200">
-              <a:latin typeface="Arial MT"/>
-              <a:cs typeface="Arial MT"/>
-            </a:endParaRPr>
-          </a:p>
-        </p:txBody>
-      </p:sp>
-      <p:sp>
-        <p:nvSpPr>
-          <p:cNvPr id="6" name="object 6"/>
-          <p:cNvSpPr txBox="1"/>
-          <p:nvPr/>
-        </p:nvSpPr>
-        <p:spPr>
-          <a:xfrm>
-            <a:off x="413649" y="4553495"/>
-            <a:ext cx="5046345" cy="181610"/>
-          </a:xfrm>
-          <a:prstGeom prst="rect">
-            <a:avLst/>
-          </a:prstGeom>
-        </p:spPr>
-        <p:txBody>
-          <a:bodyPr vert="horz" wrap="square" lIns="0" tIns="0" rIns="0" bIns="0" rtlCol="0">
-            <a:spAutoFit/>
-          </a:bodyPr>
-          <a:lstStyle/>
-          <a:p>
-            <a:pPr marL="12700">
-              <a:lnSpc>
-                <a:spcPts val="1315"/>
-              </a:lnSpc>
-            </a:pPr>
-            <a:r>
-              <a:rPr sz="1100" spc="-5" dirty="0">
-                <a:solidFill>
-                  <a:srgbClr val="434343"/>
-                </a:solidFill>
-                <a:latin typeface="Arial MT"/>
-                <a:cs typeface="Arial MT"/>
-              </a:rPr>
-              <a:t>Radford,</a:t>
-            </a:r>
-            <a:r>
-              <a:rPr sz="1100" spc="-70" dirty="0">
-                <a:solidFill>
-                  <a:srgbClr val="434343"/>
-                </a:solidFill>
-                <a:latin typeface="Arial MT"/>
-                <a:cs typeface="Arial MT"/>
-              </a:rPr>
-              <a:t> </a:t>
-            </a:r>
-            <a:r>
-              <a:rPr sz="1100" spc="-5" dirty="0">
-                <a:solidFill>
-                  <a:srgbClr val="434343"/>
-                </a:solidFill>
-                <a:latin typeface="Arial MT"/>
-                <a:cs typeface="Arial MT"/>
-              </a:rPr>
-              <a:t>A.,</a:t>
-            </a:r>
-            <a:r>
-              <a:rPr sz="1100" spc="-15" dirty="0">
-                <a:solidFill>
-                  <a:srgbClr val="434343"/>
-                </a:solidFill>
-                <a:latin typeface="Arial MT"/>
-                <a:cs typeface="Arial MT"/>
-              </a:rPr>
-              <a:t> </a:t>
-            </a:r>
-            <a:r>
-              <a:rPr sz="1100" spc="-5" dirty="0">
-                <a:solidFill>
-                  <a:srgbClr val="434343"/>
-                </a:solidFill>
-                <a:latin typeface="Arial MT"/>
-                <a:cs typeface="Arial MT"/>
-              </a:rPr>
-              <a:t>et</a:t>
-            </a:r>
-            <a:r>
-              <a:rPr sz="1100" spc="-10" dirty="0">
-                <a:solidFill>
-                  <a:srgbClr val="434343"/>
-                </a:solidFill>
-                <a:latin typeface="Arial MT"/>
-                <a:cs typeface="Arial MT"/>
-              </a:rPr>
-              <a:t> </a:t>
-            </a:r>
-            <a:r>
-              <a:rPr sz="1100" spc="-5" dirty="0">
-                <a:solidFill>
-                  <a:srgbClr val="434343"/>
-                </a:solidFill>
-                <a:latin typeface="Arial MT"/>
-                <a:cs typeface="Arial MT"/>
-              </a:rPr>
-              <a:t>al.,</a:t>
-            </a:r>
-            <a:r>
-              <a:rPr sz="1100" spc="-10" dirty="0">
-                <a:solidFill>
-                  <a:srgbClr val="434343"/>
-                </a:solidFill>
-                <a:latin typeface="Arial MT"/>
-                <a:cs typeface="Arial MT"/>
-              </a:rPr>
-              <a:t> </a:t>
-            </a:r>
-            <a:r>
-              <a:rPr sz="1100" dirty="0">
-                <a:solidFill>
-                  <a:srgbClr val="434343"/>
-                </a:solidFill>
-                <a:latin typeface="Arial MT"/>
-                <a:cs typeface="Arial MT"/>
-              </a:rPr>
-              <a:t>(2019)</a:t>
-            </a:r>
-            <a:r>
-              <a:rPr sz="1100" spc="-10" dirty="0">
-                <a:solidFill>
-                  <a:srgbClr val="434343"/>
-                </a:solidFill>
-                <a:latin typeface="Arial MT"/>
-                <a:cs typeface="Arial MT"/>
-              </a:rPr>
-              <a:t> </a:t>
-            </a:r>
-            <a:r>
-              <a:rPr sz="1100" spc="-5" dirty="0">
-                <a:solidFill>
-                  <a:srgbClr val="434343"/>
-                </a:solidFill>
-                <a:latin typeface="Arial MT"/>
-                <a:cs typeface="Arial MT"/>
-              </a:rPr>
-              <a:t>Language</a:t>
-            </a:r>
-            <a:r>
-              <a:rPr sz="1100" spc="-10" dirty="0">
-                <a:solidFill>
-                  <a:srgbClr val="434343"/>
-                </a:solidFill>
-                <a:latin typeface="Arial MT"/>
-                <a:cs typeface="Arial MT"/>
-              </a:rPr>
-              <a:t> </a:t>
-            </a:r>
-            <a:r>
-              <a:rPr sz="1100" dirty="0">
-                <a:solidFill>
-                  <a:srgbClr val="434343"/>
-                </a:solidFill>
-                <a:latin typeface="Arial MT"/>
-                <a:cs typeface="Arial MT"/>
-              </a:rPr>
-              <a:t>Models</a:t>
-            </a:r>
-            <a:r>
-              <a:rPr sz="1100" spc="-15" dirty="0">
-                <a:solidFill>
-                  <a:srgbClr val="434343"/>
-                </a:solidFill>
-                <a:latin typeface="Arial MT"/>
-                <a:cs typeface="Arial MT"/>
-              </a:rPr>
-              <a:t> </a:t>
-            </a:r>
-            <a:r>
-              <a:rPr sz="1100" spc="-5" dirty="0">
-                <a:solidFill>
-                  <a:srgbClr val="434343"/>
-                </a:solidFill>
-                <a:latin typeface="Arial MT"/>
-                <a:cs typeface="Arial MT"/>
-              </a:rPr>
-              <a:t>are</a:t>
-            </a:r>
-            <a:r>
-              <a:rPr sz="1100" spc="-10" dirty="0">
-                <a:solidFill>
-                  <a:srgbClr val="434343"/>
-                </a:solidFill>
-                <a:latin typeface="Arial MT"/>
-                <a:cs typeface="Arial MT"/>
-              </a:rPr>
-              <a:t> </a:t>
-            </a:r>
-            <a:r>
-              <a:rPr sz="1100" spc="-5" dirty="0">
-                <a:solidFill>
-                  <a:srgbClr val="434343"/>
-                </a:solidFill>
-                <a:latin typeface="Arial MT"/>
-                <a:cs typeface="Arial MT"/>
-              </a:rPr>
-              <a:t>Unsupervised</a:t>
-            </a:r>
-            <a:r>
-              <a:rPr sz="1100" spc="-10" dirty="0">
-                <a:solidFill>
-                  <a:srgbClr val="434343"/>
-                </a:solidFill>
-                <a:latin typeface="Arial MT"/>
-                <a:cs typeface="Arial MT"/>
-              </a:rPr>
-              <a:t> </a:t>
-            </a:r>
-            <a:r>
-              <a:rPr sz="1100" dirty="0">
-                <a:solidFill>
-                  <a:srgbClr val="434343"/>
-                </a:solidFill>
-                <a:latin typeface="Arial MT"/>
-                <a:cs typeface="Arial MT"/>
-              </a:rPr>
-              <a:t>Multitask</a:t>
-            </a:r>
-            <a:r>
-              <a:rPr sz="1100" spc="-10" dirty="0">
-                <a:solidFill>
-                  <a:srgbClr val="434343"/>
-                </a:solidFill>
-                <a:latin typeface="Arial MT"/>
-                <a:cs typeface="Arial MT"/>
-              </a:rPr>
-              <a:t> </a:t>
-            </a:r>
-            <a:r>
-              <a:rPr sz="1100" spc="-5" dirty="0">
-                <a:solidFill>
-                  <a:srgbClr val="434343"/>
-                </a:solidFill>
-                <a:latin typeface="Arial MT"/>
-                <a:cs typeface="Arial MT"/>
-              </a:rPr>
-              <a:t>Learners</a:t>
-            </a:r>
-            <a:endParaRPr sz="1100">
-              <a:latin typeface="Arial MT"/>
-              <a:cs typeface="Arial MT"/>
-            </a:endParaRPr>
-          </a:p>
-        </p:txBody>
-      </p:sp>
-    </p:spTree>
-  </p:cSld>
-  <p:clrMapOvr>
-    <a:masterClrMapping/>
-  </p:clrMapOvr>
-</p:sld>
-</file>
-
-<file path=ppt/slides/slide7.xml><?xml version="1.0" encoding="utf-8"?>
-<p:sld xmlns:a="http://schemas.openxmlformats.org/drawingml/2006/main" xmlns:r="http://schemas.openxmlformats.org/officeDocument/2006/relationships" xmlns:p="http://schemas.openxmlformats.org/presentationml/2006/main">
-  <p:cSld>
-    <p:spTree>
-      <p:nvGrpSpPr>
-        <p:cNvPr id="1" name=""/>
-        <p:cNvGrpSpPr/>
-        <p:nvPr/>
-      </p:nvGrpSpPr>
-      <p:grpSpPr>
-        <a:xfrm>
-          <a:off x="0" y="0"/>
-          <a:ext cx="0" cy="0"/>
-          <a:chOff x="0" y="0"/>
-          <a:chExt cx="0" cy="0"/>
-        </a:xfrm>
-      </p:grpSpPr>
-      <p:sp>
-        <p:nvSpPr>
-          <p:cNvPr id="2" name="object 2"/>
-          <p:cNvSpPr txBox="1">
-            <a:spLocks noGrp="1"/>
-          </p:cNvSpPr>
-          <p:nvPr>
-            <p:ph type="title"/>
-          </p:nvPr>
-        </p:nvSpPr>
-        <p:spPr>
-          <a:xfrm>
-            <a:off x="384725" y="505248"/>
-            <a:ext cx="949960" cy="409575"/>
-          </a:xfrm>
-          <a:prstGeom prst="rect">
-            <a:avLst/>
-          </a:prstGeom>
-        </p:spPr>
-        <p:txBody>
-          <a:bodyPr vert="horz" wrap="square" lIns="0" tIns="15240" rIns="0" bIns="0" rtlCol="0">
-            <a:spAutoFit/>
-          </a:bodyPr>
-          <a:lstStyle/>
-          <a:p>
-            <a:pPr marL="12700">
-              <a:lnSpc>
-                <a:spcPct val="100000"/>
-              </a:lnSpc>
-              <a:spcBef>
-                <a:spcPts val="120"/>
-              </a:spcBef>
-            </a:pPr>
-            <a:r>
-              <a:rPr spc="5" dirty="0"/>
-              <a:t>GP</a:t>
-            </a:r>
-            <a:r>
-              <a:rPr spc="-135" dirty="0"/>
-              <a:t>T</a:t>
-            </a:r>
-            <a:r>
-              <a:rPr spc="5" dirty="0"/>
-              <a:t>-3</a:t>
-            </a:r>
-          </a:p>
-        </p:txBody>
-      </p:sp>
-      <p:sp>
-        <p:nvSpPr>
-          <p:cNvPr id="3" name="object 3"/>
-          <p:cNvSpPr txBox="1"/>
-          <p:nvPr/>
-        </p:nvSpPr>
-        <p:spPr>
-          <a:xfrm>
-            <a:off x="384725" y="1207618"/>
-            <a:ext cx="4817745" cy="3195320"/>
-          </a:xfrm>
-          <a:prstGeom prst="rect">
-            <a:avLst/>
-          </a:prstGeom>
-        </p:spPr>
-        <p:txBody>
-          <a:bodyPr vert="horz" wrap="square" lIns="0" tIns="31114" rIns="0" bIns="0" rtlCol="0">
-            <a:spAutoFit/>
-          </a:bodyPr>
-          <a:lstStyle/>
-          <a:p>
-            <a:pPr marL="12700" marR="650240">
-              <a:lnSpc>
-                <a:spcPts val="1820"/>
-              </a:lnSpc>
-              <a:spcBef>
-                <a:spcPts val="244"/>
-              </a:spcBef>
-            </a:pPr>
-            <a:r>
-              <a:rPr sz="1600" spc="-5" dirty="0">
-                <a:solidFill>
-                  <a:srgbClr val="595959"/>
-                </a:solidFill>
-                <a:latin typeface="Arial MT"/>
-                <a:cs typeface="Arial MT"/>
-              </a:rPr>
-              <a:t>Demonstrate</a:t>
-            </a:r>
-            <a:r>
-              <a:rPr sz="1600" dirty="0">
-                <a:solidFill>
-                  <a:srgbClr val="595959"/>
-                </a:solidFill>
-                <a:latin typeface="Arial MT"/>
-                <a:cs typeface="Arial MT"/>
-              </a:rPr>
-              <a:t>d</a:t>
-            </a:r>
-            <a:r>
-              <a:rPr sz="1600" spc="-5" dirty="0">
-                <a:solidFill>
-                  <a:srgbClr val="595959"/>
-                </a:solidFill>
-                <a:latin typeface="Arial MT"/>
-                <a:cs typeface="Arial MT"/>
-              </a:rPr>
-              <a:t> SO</a:t>
-            </a:r>
-            <a:r>
-              <a:rPr sz="1600" spc="-120" dirty="0">
-                <a:solidFill>
-                  <a:srgbClr val="595959"/>
-                </a:solidFill>
-                <a:latin typeface="Arial MT"/>
-                <a:cs typeface="Arial MT"/>
-              </a:rPr>
-              <a:t>T</a:t>
-            </a:r>
-            <a:r>
-              <a:rPr sz="1600" dirty="0">
-                <a:solidFill>
-                  <a:srgbClr val="595959"/>
-                </a:solidFill>
-                <a:latin typeface="Arial MT"/>
-                <a:cs typeface="Arial MT"/>
-              </a:rPr>
-              <a:t>A</a:t>
-            </a:r>
-            <a:r>
-              <a:rPr sz="1600" spc="-95" dirty="0">
-                <a:solidFill>
-                  <a:srgbClr val="595959"/>
-                </a:solidFill>
-                <a:latin typeface="Arial MT"/>
-                <a:cs typeface="Arial MT"/>
-              </a:rPr>
-              <a:t> </a:t>
-            </a:r>
-            <a:r>
-              <a:rPr sz="1600" spc="-5" dirty="0">
-                <a:solidFill>
-                  <a:srgbClr val="595959"/>
-                </a:solidFill>
-                <a:latin typeface="Arial MT"/>
-                <a:cs typeface="Arial MT"/>
-              </a:rPr>
-              <a:t>performanc</a:t>
-            </a:r>
-            <a:r>
-              <a:rPr sz="1600" dirty="0">
-                <a:solidFill>
-                  <a:srgbClr val="595959"/>
-                </a:solidFill>
-                <a:latin typeface="Arial MT"/>
-                <a:cs typeface="Arial MT"/>
-              </a:rPr>
-              <a:t>e</a:t>
-            </a:r>
-            <a:r>
-              <a:rPr sz="1600" spc="-5" dirty="0">
-                <a:solidFill>
-                  <a:srgbClr val="595959"/>
-                </a:solidFill>
-                <a:latin typeface="Arial MT"/>
-                <a:cs typeface="Arial MT"/>
-              </a:rPr>
-              <a:t> i</a:t>
-            </a:r>
-            <a:r>
-              <a:rPr sz="1600" dirty="0">
-                <a:solidFill>
-                  <a:srgbClr val="595959"/>
-                </a:solidFill>
-                <a:latin typeface="Arial MT"/>
-                <a:cs typeface="Arial MT"/>
-              </a:rPr>
-              <a:t>n</a:t>
-            </a:r>
-            <a:r>
-              <a:rPr sz="1600" spc="-5" dirty="0">
-                <a:solidFill>
-                  <a:srgbClr val="595959"/>
-                </a:solidFill>
-                <a:latin typeface="Arial MT"/>
-                <a:cs typeface="Arial MT"/>
-              </a:rPr>
-              <a:t> few-shot,  one-shot,</a:t>
-            </a:r>
-            <a:r>
-              <a:rPr sz="1600" spc="-10" dirty="0">
-                <a:solidFill>
-                  <a:srgbClr val="595959"/>
-                </a:solidFill>
-                <a:latin typeface="Arial MT"/>
-                <a:cs typeface="Arial MT"/>
-              </a:rPr>
-              <a:t> </a:t>
-            </a:r>
-            <a:r>
-              <a:rPr sz="1600" spc="-5" dirty="0">
-                <a:solidFill>
-                  <a:srgbClr val="595959"/>
-                </a:solidFill>
-                <a:latin typeface="Arial MT"/>
-                <a:cs typeface="Arial MT"/>
-              </a:rPr>
-              <a:t>and</a:t>
-            </a:r>
-            <a:r>
-              <a:rPr sz="1600" spc="-10" dirty="0">
-                <a:solidFill>
-                  <a:srgbClr val="595959"/>
-                </a:solidFill>
-                <a:latin typeface="Arial MT"/>
-                <a:cs typeface="Arial MT"/>
-              </a:rPr>
-              <a:t> </a:t>
-            </a:r>
-            <a:r>
-              <a:rPr sz="1600" dirty="0">
-                <a:solidFill>
-                  <a:srgbClr val="595959"/>
-                </a:solidFill>
-                <a:latin typeface="Arial MT"/>
-                <a:cs typeface="Arial MT"/>
-              </a:rPr>
-              <a:t>zero-shot</a:t>
-            </a:r>
-            <a:r>
-              <a:rPr sz="1600" spc="-10" dirty="0">
-                <a:solidFill>
-                  <a:srgbClr val="595959"/>
-                </a:solidFill>
-                <a:latin typeface="Arial MT"/>
-                <a:cs typeface="Arial MT"/>
-              </a:rPr>
-              <a:t> </a:t>
-            </a:r>
-            <a:r>
-              <a:rPr sz="1600" spc="-5" dirty="0">
-                <a:solidFill>
-                  <a:srgbClr val="595959"/>
-                </a:solidFill>
-                <a:latin typeface="Arial MT"/>
-                <a:cs typeface="Arial MT"/>
-              </a:rPr>
-              <a:t>learning</a:t>
-            </a:r>
-            <a:endParaRPr sz="1600">
-              <a:latin typeface="Arial MT"/>
-              <a:cs typeface="Arial MT"/>
-            </a:endParaRPr>
-          </a:p>
-          <a:p>
-            <a:pPr marL="12700" marR="13970">
-              <a:lnSpc>
-                <a:spcPts val="1820"/>
-              </a:lnSpc>
-              <a:spcBef>
-                <a:spcPts val="1205"/>
-              </a:spcBef>
-            </a:pPr>
-            <a:r>
-              <a:rPr sz="1600" spc="-5" dirty="0">
-                <a:solidFill>
-                  <a:srgbClr val="595959"/>
-                </a:solidFill>
-                <a:latin typeface="Arial MT"/>
-                <a:cs typeface="Arial MT"/>
-              </a:rPr>
-              <a:t>Architecture </a:t>
-            </a:r>
-            <a:r>
-              <a:rPr sz="1600" dirty="0">
-                <a:solidFill>
-                  <a:srgbClr val="595959"/>
-                </a:solidFill>
-                <a:latin typeface="Arial MT"/>
-                <a:cs typeface="Arial MT"/>
-              </a:rPr>
-              <a:t>same </a:t>
-            </a:r>
-            <a:r>
-              <a:rPr sz="1600" spc="-5" dirty="0">
-                <a:solidFill>
-                  <a:srgbClr val="595959"/>
-                </a:solidFill>
-                <a:latin typeface="Arial MT"/>
-                <a:cs typeface="Arial MT"/>
-              </a:rPr>
-              <a:t>as </a:t>
-            </a:r>
-            <a:r>
-              <a:rPr sz="1600" spc="-20" dirty="0">
-                <a:solidFill>
-                  <a:srgbClr val="595959"/>
-                </a:solidFill>
-                <a:latin typeface="Arial MT"/>
-                <a:cs typeface="Arial MT"/>
-              </a:rPr>
-              <a:t>GPT-2, </a:t>
-            </a:r>
-            <a:r>
-              <a:rPr sz="1600" spc="-5" dirty="0">
-                <a:solidFill>
-                  <a:srgbClr val="595959"/>
-                </a:solidFill>
-                <a:latin typeface="Arial MT"/>
-                <a:cs typeface="Arial MT"/>
-              </a:rPr>
-              <a:t>except </a:t>
-            </a:r>
-            <a:r>
-              <a:rPr sz="1600" spc="-20" dirty="0">
-                <a:solidFill>
-                  <a:srgbClr val="595959"/>
-                </a:solidFill>
-                <a:latin typeface="Arial MT"/>
-                <a:cs typeface="Arial MT"/>
-              </a:rPr>
-              <a:t>GPT-3 </a:t>
-            </a:r>
-            <a:r>
-              <a:rPr sz="1600" spc="-15" dirty="0">
-                <a:solidFill>
-                  <a:srgbClr val="595959"/>
-                </a:solidFill>
-                <a:latin typeface="Arial MT"/>
-                <a:cs typeface="Arial MT"/>
-              </a:rPr>
-              <a:t> </a:t>
-            </a:r>
-            <a:r>
-              <a:rPr sz="1600" spc="-5" dirty="0">
-                <a:solidFill>
-                  <a:srgbClr val="595959"/>
-                </a:solidFill>
-                <a:latin typeface="Arial MT"/>
-                <a:cs typeface="Arial MT"/>
-              </a:rPr>
-              <a:t>transformer use alternating dense and locally banded </a:t>
-            </a:r>
-            <a:r>
-              <a:rPr sz="1600" spc="-430" dirty="0">
-                <a:solidFill>
-                  <a:srgbClr val="595959"/>
-                </a:solidFill>
-                <a:latin typeface="Arial MT"/>
-                <a:cs typeface="Arial MT"/>
-              </a:rPr>
-              <a:t> </a:t>
-            </a:r>
-            <a:r>
-              <a:rPr sz="1600" dirty="0">
-                <a:solidFill>
-                  <a:srgbClr val="595959"/>
-                </a:solidFill>
-                <a:latin typeface="Arial MT"/>
-                <a:cs typeface="Arial MT"/>
-              </a:rPr>
-              <a:t>sparse</a:t>
-            </a:r>
-            <a:r>
-              <a:rPr sz="1600" spc="-10" dirty="0">
-                <a:solidFill>
-                  <a:srgbClr val="595959"/>
-                </a:solidFill>
-                <a:latin typeface="Arial MT"/>
-                <a:cs typeface="Arial MT"/>
-              </a:rPr>
-              <a:t> </a:t>
-            </a:r>
-            <a:r>
-              <a:rPr sz="1600" spc="-5" dirty="0">
-                <a:solidFill>
-                  <a:srgbClr val="595959"/>
-                </a:solidFill>
-                <a:latin typeface="Arial MT"/>
-                <a:cs typeface="Arial MT"/>
-              </a:rPr>
-              <a:t>attention patterns</a:t>
-            </a:r>
-            <a:endParaRPr sz="1600">
-              <a:latin typeface="Arial MT"/>
-              <a:cs typeface="Arial MT"/>
-            </a:endParaRPr>
-          </a:p>
-          <a:p>
-            <a:pPr marL="12700" marR="92710">
-              <a:lnSpc>
-                <a:spcPts val="1820"/>
-              </a:lnSpc>
-              <a:spcBef>
-                <a:spcPts val="1210"/>
-              </a:spcBef>
-            </a:pPr>
-            <a:r>
-              <a:rPr sz="1600" dirty="0">
-                <a:solidFill>
-                  <a:srgbClr val="595959"/>
-                </a:solidFill>
-                <a:latin typeface="Arial MT"/>
-                <a:cs typeface="Arial MT"/>
-              </a:rPr>
-              <a:t>8 Models </a:t>
-            </a:r>
-            <a:r>
-              <a:rPr sz="1600" spc="-5" dirty="0">
-                <a:solidFill>
-                  <a:srgbClr val="595959"/>
-                </a:solidFill>
-                <a:latin typeface="Arial MT"/>
-                <a:cs typeface="Arial MT"/>
-              </a:rPr>
-              <a:t>trained </a:t>
-            </a:r>
-            <a:r>
-              <a:rPr sz="1600" dirty="0">
-                <a:solidFill>
-                  <a:srgbClr val="595959"/>
-                </a:solidFill>
-                <a:latin typeface="Arial MT"/>
-                <a:cs typeface="Arial MT"/>
-              </a:rPr>
-              <a:t>ranging </a:t>
-            </a:r>
-            <a:r>
-              <a:rPr sz="1600" spc="-5" dirty="0">
-                <a:solidFill>
-                  <a:srgbClr val="595959"/>
-                </a:solidFill>
-                <a:latin typeface="Arial MT"/>
-                <a:cs typeface="Arial MT"/>
-              </a:rPr>
-              <a:t>from 125M </a:t>
-            </a:r>
-            <a:r>
-              <a:rPr sz="1600" dirty="0">
-                <a:solidFill>
-                  <a:srgbClr val="595959"/>
-                </a:solidFill>
-                <a:latin typeface="Arial MT"/>
-                <a:cs typeface="Arial MT"/>
-              </a:rPr>
-              <a:t>- </a:t>
-            </a:r>
-            <a:r>
-              <a:rPr sz="1600" spc="-5" dirty="0">
-                <a:solidFill>
-                  <a:srgbClr val="595959"/>
-                </a:solidFill>
-                <a:latin typeface="Arial MT"/>
-                <a:cs typeface="Arial MT"/>
-              </a:rPr>
-              <a:t>125B params, </a:t>
-            </a:r>
-            <a:r>
-              <a:rPr sz="1600" spc="-430" dirty="0">
-                <a:solidFill>
-                  <a:srgbClr val="595959"/>
-                </a:solidFill>
-                <a:latin typeface="Arial MT"/>
-                <a:cs typeface="Arial MT"/>
-              </a:rPr>
-              <a:t> </a:t>
-            </a:r>
-            <a:r>
-              <a:rPr sz="1600" spc="-5" dirty="0">
-                <a:solidFill>
-                  <a:srgbClr val="595959"/>
-                </a:solidFill>
-                <a:latin typeface="Arial MT"/>
-                <a:cs typeface="Arial MT"/>
-              </a:rPr>
-              <a:t>and</a:t>
-            </a:r>
-            <a:r>
-              <a:rPr sz="1600" spc="-10" dirty="0">
-                <a:solidFill>
-                  <a:srgbClr val="595959"/>
-                </a:solidFill>
-                <a:latin typeface="Arial MT"/>
-                <a:cs typeface="Arial MT"/>
-              </a:rPr>
-              <a:t> </a:t>
-            </a:r>
-            <a:r>
-              <a:rPr sz="1600" dirty="0">
-                <a:solidFill>
-                  <a:srgbClr val="595959"/>
-                </a:solidFill>
-                <a:latin typeface="Arial MT"/>
-                <a:cs typeface="Arial MT"/>
-              </a:rPr>
-              <a:t>a</a:t>
-            </a:r>
-            <a:r>
-              <a:rPr sz="1600" spc="-5" dirty="0">
-                <a:solidFill>
-                  <a:srgbClr val="595959"/>
-                </a:solidFill>
-                <a:latin typeface="Arial MT"/>
-                <a:cs typeface="Arial MT"/>
-              </a:rPr>
-              <a:t> </a:t>
-            </a:r>
-            <a:r>
-              <a:rPr sz="1600" dirty="0">
-                <a:solidFill>
-                  <a:srgbClr val="595959"/>
-                </a:solidFill>
-                <a:latin typeface="Arial MT"/>
-                <a:cs typeface="Arial MT"/>
-              </a:rPr>
-              <a:t>context</a:t>
-            </a:r>
-            <a:r>
-              <a:rPr sz="1600" spc="-10" dirty="0">
-                <a:solidFill>
-                  <a:srgbClr val="595959"/>
-                </a:solidFill>
-                <a:latin typeface="Arial MT"/>
-                <a:cs typeface="Arial MT"/>
-              </a:rPr>
-              <a:t> </a:t>
-            </a:r>
-            <a:r>
-              <a:rPr sz="1600" spc="-5" dirty="0">
-                <a:solidFill>
-                  <a:srgbClr val="595959"/>
-                </a:solidFill>
-                <a:latin typeface="Arial MT"/>
-                <a:cs typeface="Arial MT"/>
-              </a:rPr>
-              <a:t>length of 2,048</a:t>
-            </a:r>
-            <a:endParaRPr sz="1600">
-              <a:latin typeface="Arial MT"/>
-              <a:cs typeface="Arial MT"/>
-            </a:endParaRPr>
-          </a:p>
-          <a:p>
-            <a:pPr marL="12700">
-              <a:lnSpc>
-                <a:spcPct val="100000"/>
-              </a:lnSpc>
-              <a:spcBef>
-                <a:spcPts val="1065"/>
-              </a:spcBef>
-            </a:pPr>
-            <a:r>
-              <a:rPr sz="1600" spc="-5" dirty="0">
-                <a:solidFill>
-                  <a:srgbClr val="595959"/>
-                </a:solidFill>
-                <a:latin typeface="Arial MT"/>
-                <a:cs typeface="Arial MT"/>
-              </a:rPr>
-              <a:t>Significantly</a:t>
-            </a:r>
-            <a:r>
-              <a:rPr sz="1600" spc="-30" dirty="0">
-                <a:solidFill>
-                  <a:srgbClr val="595959"/>
-                </a:solidFill>
-                <a:latin typeface="Arial MT"/>
-                <a:cs typeface="Arial MT"/>
-              </a:rPr>
-              <a:t> </a:t>
-            </a:r>
-            <a:r>
-              <a:rPr sz="1600" spc="-5" dirty="0">
-                <a:solidFill>
-                  <a:srgbClr val="595959"/>
-                </a:solidFill>
-                <a:latin typeface="Arial MT"/>
-                <a:cs typeface="Arial MT"/>
-              </a:rPr>
-              <a:t>larger</a:t>
-            </a:r>
-            <a:r>
-              <a:rPr sz="1600" spc="-25" dirty="0">
-                <a:solidFill>
-                  <a:srgbClr val="595959"/>
-                </a:solidFill>
-                <a:latin typeface="Arial MT"/>
-                <a:cs typeface="Arial MT"/>
-              </a:rPr>
-              <a:t> </a:t>
-            </a:r>
-            <a:r>
-              <a:rPr sz="1600" spc="-5" dirty="0">
-                <a:solidFill>
-                  <a:srgbClr val="595959"/>
-                </a:solidFill>
-                <a:latin typeface="Arial MT"/>
-                <a:cs typeface="Arial MT"/>
-              </a:rPr>
-              <a:t>training</a:t>
-            </a:r>
-            <a:r>
-              <a:rPr sz="1600" spc="-25" dirty="0">
-                <a:solidFill>
-                  <a:srgbClr val="595959"/>
-                </a:solidFill>
-                <a:latin typeface="Arial MT"/>
-                <a:cs typeface="Arial MT"/>
-              </a:rPr>
-              <a:t> </a:t>
-            </a:r>
-            <a:r>
-              <a:rPr sz="1600" dirty="0">
-                <a:solidFill>
-                  <a:srgbClr val="595959"/>
-                </a:solidFill>
-                <a:latin typeface="Arial MT"/>
-                <a:cs typeface="Arial MT"/>
-              </a:rPr>
-              <a:t>corpus</a:t>
-            </a:r>
-            <a:endParaRPr sz="1600">
-              <a:latin typeface="Arial MT"/>
-              <a:cs typeface="Arial MT"/>
-            </a:endParaRPr>
-          </a:p>
-          <a:p>
-            <a:pPr marL="12700" marR="5080">
-              <a:lnSpc>
-                <a:spcPts val="1820"/>
-              </a:lnSpc>
-              <a:spcBef>
-                <a:spcPts val="1250"/>
-              </a:spcBef>
-            </a:pPr>
-            <a:r>
-              <a:rPr sz="1600" spc="-5" dirty="0">
-                <a:solidFill>
-                  <a:srgbClr val="595959"/>
-                </a:solidFill>
-                <a:latin typeface="Arial MT"/>
-                <a:cs typeface="Arial MT"/>
-              </a:rPr>
-              <a:t>Considers </a:t>
-            </a:r>
-            <a:r>
-              <a:rPr sz="1600" spc="-10" dirty="0">
-                <a:solidFill>
-                  <a:srgbClr val="595959"/>
-                </a:solidFill>
-                <a:latin typeface="Arial MT"/>
-                <a:cs typeface="Arial MT"/>
-              </a:rPr>
-              <a:t>effects </a:t>
-            </a:r>
-            <a:r>
-              <a:rPr sz="1600" spc="-5" dirty="0">
-                <a:solidFill>
-                  <a:srgbClr val="595959"/>
-                </a:solidFill>
-                <a:latin typeface="Arial MT"/>
-                <a:cs typeface="Arial MT"/>
-              </a:rPr>
-              <a:t>of </a:t>
-            </a:r>
-            <a:r>
-              <a:rPr sz="1600" dirty="0">
-                <a:solidFill>
-                  <a:srgbClr val="595959"/>
-                </a:solidFill>
-                <a:latin typeface="Arial MT"/>
-                <a:cs typeface="Arial MT"/>
-              </a:rPr>
-              <a:t>misinformation; </a:t>
-            </a:r>
-            <a:r>
-              <a:rPr sz="1600" spc="-5" dirty="0">
-                <a:solidFill>
-                  <a:srgbClr val="595959"/>
-                </a:solidFill>
-                <a:latin typeface="Arial MT"/>
-                <a:cs typeface="Arial MT"/>
-              </a:rPr>
-              <a:t>evaluates bias in </a:t>
-            </a:r>
-            <a:r>
-              <a:rPr sz="1600" spc="-430" dirty="0">
-                <a:solidFill>
-                  <a:srgbClr val="595959"/>
-                </a:solidFill>
-                <a:latin typeface="Arial MT"/>
-                <a:cs typeface="Arial MT"/>
-              </a:rPr>
-              <a:t> </a:t>
-            </a:r>
-            <a:r>
-              <a:rPr sz="1600" dirty="0">
-                <a:solidFill>
-                  <a:srgbClr val="595959"/>
-                </a:solidFill>
-                <a:latin typeface="Arial MT"/>
-                <a:cs typeface="Arial MT"/>
-              </a:rPr>
-              <a:t>race, </a:t>
-            </a:r>
-            <a:r>
-              <a:rPr sz="1600" spc="-5" dirty="0">
-                <a:solidFill>
-                  <a:srgbClr val="595959"/>
-                </a:solidFill>
-                <a:latin typeface="Arial MT"/>
-                <a:cs typeface="Arial MT"/>
-              </a:rPr>
-              <a:t>gender and </a:t>
-            </a:r>
-            <a:r>
-              <a:rPr sz="1600" dirty="0">
-                <a:solidFill>
-                  <a:srgbClr val="595959"/>
-                </a:solidFill>
-                <a:latin typeface="Arial MT"/>
-                <a:cs typeface="Arial MT"/>
-              </a:rPr>
-              <a:t>religion </a:t>
-            </a:r>
-            <a:r>
-              <a:rPr sz="1600" spc="-5" dirty="0">
-                <a:solidFill>
-                  <a:srgbClr val="595959"/>
-                </a:solidFill>
-                <a:latin typeface="Arial MT"/>
-                <a:cs typeface="Arial MT"/>
-              </a:rPr>
-              <a:t>and broader </a:t>
-            </a:r>
-            <a:r>
-              <a:rPr sz="1600" dirty="0">
-                <a:solidFill>
-                  <a:srgbClr val="595959"/>
-                </a:solidFill>
-                <a:latin typeface="Arial MT"/>
-                <a:cs typeface="Arial MT"/>
-              </a:rPr>
-              <a:t>societal </a:t>
-            </a:r>
-            <a:r>
-              <a:rPr sz="1600" spc="5" dirty="0">
-                <a:solidFill>
-                  <a:srgbClr val="595959"/>
-                </a:solidFill>
-                <a:latin typeface="Arial MT"/>
-                <a:cs typeface="Arial MT"/>
-              </a:rPr>
-              <a:t> </a:t>
-            </a:r>
-            <a:r>
-              <a:rPr sz="1600" spc="-5" dirty="0">
-                <a:solidFill>
-                  <a:srgbClr val="595959"/>
-                </a:solidFill>
-                <a:latin typeface="Arial MT"/>
-                <a:cs typeface="Arial MT"/>
-              </a:rPr>
-              <a:t>impacts</a:t>
-            </a:r>
-            <a:endParaRPr sz="1600">
-              <a:latin typeface="Arial MT"/>
-              <a:cs typeface="Arial MT"/>
-            </a:endParaRPr>
-          </a:p>
-        </p:txBody>
-      </p:sp>
-      <p:pic>
-        <p:nvPicPr>
-          <p:cNvPr id="4" name="object 4"/>
-          <p:cNvPicPr/>
-          <p:nvPr/>
-        </p:nvPicPr>
-        <p:blipFill>
-          <a:blip r:embed="rId2" cstate="print"/>
-          <a:stretch>
-            <a:fillRect/>
-          </a:stretch>
-        </p:blipFill>
-        <p:spPr>
-          <a:xfrm>
-            <a:off x="5410572" y="3679647"/>
-            <a:ext cx="3601588" cy="933744"/>
-          </a:xfrm>
-          <a:prstGeom prst="rect">
-            <a:avLst/>
-          </a:prstGeom>
-        </p:spPr>
-      </p:pic>
-      <p:pic>
-        <p:nvPicPr>
-          <p:cNvPr id="5" name="object 5"/>
-          <p:cNvPicPr/>
-          <p:nvPr/>
-        </p:nvPicPr>
-        <p:blipFill>
-          <a:blip r:embed="rId3" cstate="print"/>
-          <a:stretch>
-            <a:fillRect/>
-          </a:stretch>
-        </p:blipFill>
-        <p:spPr>
-          <a:xfrm>
-            <a:off x="5727164" y="1583637"/>
-            <a:ext cx="3010005" cy="1943353"/>
-          </a:xfrm>
-          <a:prstGeom prst="rect">
-            <a:avLst/>
-          </a:prstGeom>
-        </p:spPr>
-      </p:pic>
-      <p:pic>
-        <p:nvPicPr>
-          <p:cNvPr id="6" name="object 6"/>
-          <p:cNvPicPr/>
-          <p:nvPr/>
-        </p:nvPicPr>
-        <p:blipFill>
-          <a:blip r:embed="rId4" cstate="print"/>
-          <a:stretch>
-            <a:fillRect/>
-          </a:stretch>
-        </p:blipFill>
-        <p:spPr>
-          <a:xfrm>
-            <a:off x="4923890" y="880321"/>
-            <a:ext cx="4107458" cy="554373"/>
-          </a:xfrm>
-          <a:prstGeom prst="rect">
-            <a:avLst/>
-          </a:prstGeom>
-        </p:spPr>
-      </p:pic>
-      <p:sp>
-        <p:nvSpPr>
-          <p:cNvPr id="7" name="object 7"/>
-          <p:cNvSpPr txBox="1"/>
-          <p:nvPr/>
-        </p:nvSpPr>
-        <p:spPr>
-          <a:xfrm>
-            <a:off x="310650" y="4566045"/>
-            <a:ext cx="4078604" cy="181610"/>
-          </a:xfrm>
-          <a:prstGeom prst="rect">
-            <a:avLst/>
-          </a:prstGeom>
-        </p:spPr>
-        <p:txBody>
-          <a:bodyPr vert="horz" wrap="square" lIns="0" tIns="0" rIns="0" bIns="0" rtlCol="0">
-            <a:spAutoFit/>
-          </a:bodyPr>
-          <a:lstStyle/>
-          <a:p>
-            <a:pPr marL="12700">
-              <a:lnSpc>
-                <a:spcPts val="1315"/>
-              </a:lnSpc>
-            </a:pPr>
-            <a:r>
-              <a:rPr sz="1100" spc="-5" dirty="0">
-                <a:solidFill>
-                  <a:srgbClr val="434343"/>
-                </a:solidFill>
-                <a:latin typeface="Arial MT"/>
-                <a:cs typeface="Arial MT"/>
-              </a:rPr>
-              <a:t>Brown.</a:t>
-            </a:r>
-            <a:r>
-              <a:rPr sz="1100" spc="-35" dirty="0">
-                <a:solidFill>
-                  <a:srgbClr val="434343"/>
-                </a:solidFill>
-                <a:latin typeface="Arial MT"/>
-                <a:cs typeface="Arial MT"/>
-              </a:rPr>
-              <a:t> </a:t>
-            </a:r>
-            <a:r>
-              <a:rPr sz="1100" spc="-45" dirty="0">
-                <a:solidFill>
-                  <a:srgbClr val="434343"/>
-                </a:solidFill>
-                <a:latin typeface="Arial MT"/>
-                <a:cs typeface="Arial MT"/>
-              </a:rPr>
-              <a:t>T.,</a:t>
-            </a:r>
-            <a:r>
-              <a:rPr sz="1100" spc="-10" dirty="0">
-                <a:solidFill>
-                  <a:srgbClr val="434343"/>
-                </a:solidFill>
-                <a:latin typeface="Arial MT"/>
-                <a:cs typeface="Arial MT"/>
-              </a:rPr>
-              <a:t> </a:t>
-            </a:r>
-            <a:r>
-              <a:rPr sz="1100" spc="-5" dirty="0">
-                <a:solidFill>
-                  <a:srgbClr val="434343"/>
-                </a:solidFill>
-                <a:latin typeface="Arial MT"/>
-                <a:cs typeface="Arial MT"/>
-              </a:rPr>
-              <a:t>et</a:t>
-            </a:r>
-            <a:r>
-              <a:rPr sz="1100" spc="-10" dirty="0">
-                <a:solidFill>
-                  <a:srgbClr val="434343"/>
-                </a:solidFill>
-                <a:latin typeface="Arial MT"/>
-                <a:cs typeface="Arial MT"/>
-              </a:rPr>
-              <a:t> </a:t>
-            </a:r>
-            <a:r>
-              <a:rPr sz="1100" spc="-5" dirty="0">
-                <a:solidFill>
-                  <a:srgbClr val="434343"/>
-                </a:solidFill>
-                <a:latin typeface="Arial MT"/>
-                <a:cs typeface="Arial MT"/>
-              </a:rPr>
-              <a:t>al.,</a:t>
-            </a:r>
-            <a:r>
-              <a:rPr sz="1100" spc="-15" dirty="0">
-                <a:solidFill>
-                  <a:srgbClr val="434343"/>
-                </a:solidFill>
-                <a:latin typeface="Arial MT"/>
-                <a:cs typeface="Arial MT"/>
-              </a:rPr>
-              <a:t> </a:t>
-            </a:r>
-            <a:r>
-              <a:rPr sz="1100" dirty="0">
-                <a:solidFill>
-                  <a:srgbClr val="434343"/>
-                </a:solidFill>
-                <a:latin typeface="Arial MT"/>
-                <a:cs typeface="Arial MT"/>
-              </a:rPr>
-              <a:t>(2020)</a:t>
-            </a:r>
-            <a:r>
-              <a:rPr sz="1100" spc="-10" dirty="0">
-                <a:solidFill>
-                  <a:srgbClr val="434343"/>
-                </a:solidFill>
-                <a:latin typeface="Arial MT"/>
-                <a:cs typeface="Arial MT"/>
-              </a:rPr>
-              <a:t> </a:t>
-            </a:r>
-            <a:r>
-              <a:rPr sz="1100" spc="-5" dirty="0">
-                <a:solidFill>
-                  <a:srgbClr val="434343"/>
-                </a:solidFill>
-                <a:latin typeface="Arial MT"/>
-                <a:cs typeface="Arial MT"/>
-              </a:rPr>
-              <a:t>Language</a:t>
-            </a:r>
-            <a:r>
-              <a:rPr sz="1100" spc="-10" dirty="0">
-                <a:solidFill>
-                  <a:srgbClr val="434343"/>
-                </a:solidFill>
-                <a:latin typeface="Arial MT"/>
-                <a:cs typeface="Arial MT"/>
-              </a:rPr>
-              <a:t> </a:t>
-            </a:r>
-            <a:r>
-              <a:rPr sz="1100" dirty="0">
-                <a:solidFill>
-                  <a:srgbClr val="434343"/>
-                </a:solidFill>
-                <a:latin typeface="Arial MT"/>
-                <a:cs typeface="Arial MT"/>
-              </a:rPr>
-              <a:t>Models</a:t>
-            </a:r>
-            <a:r>
-              <a:rPr sz="1100" spc="-15" dirty="0">
-                <a:solidFill>
-                  <a:srgbClr val="434343"/>
-                </a:solidFill>
-                <a:latin typeface="Arial MT"/>
-                <a:cs typeface="Arial MT"/>
-              </a:rPr>
-              <a:t> </a:t>
-            </a:r>
-            <a:r>
-              <a:rPr sz="1100" spc="-5" dirty="0">
-                <a:solidFill>
-                  <a:srgbClr val="434343"/>
-                </a:solidFill>
-                <a:latin typeface="Arial MT"/>
-                <a:cs typeface="Arial MT"/>
-              </a:rPr>
-              <a:t>are</a:t>
-            </a:r>
-            <a:r>
-              <a:rPr sz="1100" spc="-10" dirty="0">
-                <a:solidFill>
-                  <a:srgbClr val="434343"/>
-                </a:solidFill>
-                <a:latin typeface="Arial MT"/>
-                <a:cs typeface="Arial MT"/>
-              </a:rPr>
-              <a:t> </a:t>
-            </a:r>
-            <a:r>
-              <a:rPr sz="1100" spc="-5" dirty="0">
-                <a:solidFill>
-                  <a:srgbClr val="434343"/>
-                </a:solidFill>
-                <a:latin typeface="Arial MT"/>
-                <a:cs typeface="Arial MT"/>
-              </a:rPr>
-              <a:t>Few-Shot</a:t>
-            </a:r>
-            <a:r>
-              <a:rPr sz="1100" spc="-10" dirty="0">
-                <a:solidFill>
-                  <a:srgbClr val="434343"/>
-                </a:solidFill>
-                <a:latin typeface="Arial MT"/>
-                <a:cs typeface="Arial MT"/>
-              </a:rPr>
-              <a:t> </a:t>
-            </a:r>
-            <a:r>
-              <a:rPr sz="1100" spc="-5" dirty="0">
-                <a:solidFill>
-                  <a:srgbClr val="434343"/>
-                </a:solidFill>
-                <a:latin typeface="Arial MT"/>
-                <a:cs typeface="Arial MT"/>
-              </a:rPr>
-              <a:t>Learners</a:t>
-            </a:r>
-            <a:endParaRPr sz="1100">
-              <a:latin typeface="Arial MT"/>
-              <a:cs typeface="Arial MT"/>
-            </a:endParaRPr>
-          </a:p>
-        </p:txBody>
-      </p:sp>
-    </p:spTree>
-  </p:cSld>
-  <p:clrMapOvr>
-    <a:masterClrMapping/>
-  </p:clrMapOvr>
-</p:sld>
-</file>
-
-<file path=ppt/slides/slide8.xml><?xml version="1.0" encoding="utf-8"?>
-<p:sld xmlns:a="http://schemas.openxmlformats.org/drawingml/2006/main" xmlns:r="http://schemas.openxmlformats.org/officeDocument/2006/relationships" xmlns:p="http://schemas.openxmlformats.org/presentationml/2006/main">
-  <p:cSld>
-    <p:spTree>
-      <p:nvGrpSpPr>
-        <p:cNvPr id="1" name=""/>
-        <p:cNvGrpSpPr/>
-        <p:nvPr/>
-      </p:nvGrpSpPr>
-      <p:grpSpPr>
-        <a:xfrm>
-          <a:off x="0" y="0"/>
-          <a:ext cx="0" cy="0"/>
-          <a:chOff x="0" y="0"/>
-          <a:chExt cx="0" cy="0"/>
-        </a:xfrm>
-      </p:grpSpPr>
-      <p:sp>
-        <p:nvSpPr>
-          <p:cNvPr id="2" name="object 2"/>
-          <p:cNvSpPr txBox="1">
-            <a:spLocks noGrp="1"/>
-          </p:cNvSpPr>
-          <p:nvPr>
-            <p:ph type="title"/>
-          </p:nvPr>
-        </p:nvSpPr>
-        <p:spPr>
-          <a:xfrm>
-            <a:off x="384725" y="505248"/>
             <a:ext cx="3180080" cy="409575"/>
           </a:xfrm>
           <a:prstGeom prst="rect">
@@ -14874,22 +10391,7 @@
               <a:rPr spc="-20" dirty="0"/>
               <a:t>GPT-4</a:t>
             </a:r>
-            <a:r>
-              <a:rPr spc="-35" dirty="0"/>
-              <a:t> </a:t>
-            </a:r>
-            <a:r>
-              <a:rPr dirty="0"/>
-              <a:t>(Unofficial</a:t>
-            </a:r>
-            <a:r>
-              <a:rPr spc="-35" dirty="0"/>
-              <a:t> </a:t>
-            </a:r>
-            <a:r>
-              <a:rPr dirty="0"/>
-              <a:t>Info)</a:t>
-            </a:r>
+            <a:endParaRPr dirty="0"/>
           </a:p>
         </p:txBody>
       </p:sp>
@@ -15977,7 +11479,7 @@
 </p:sld>
 </file>
 
-<file path=ppt/slides/slide9.xml><?xml version="1.0" encoding="utf-8"?>
+<file path=ppt/slides/slide6.xml><?xml version="1.0" encoding="utf-8"?>
 <p:sld xmlns:a="http://schemas.openxmlformats.org/drawingml/2006/main" xmlns:r="http://schemas.openxmlformats.org/officeDocument/2006/relationships" xmlns:p="http://schemas.openxmlformats.org/presentationml/2006/main">
   <p:cSld>
     <p:spTree>
@@ -16457,6 +11959,971 @@
         </p:spPr>
       </p:pic>
     </p:spTree>
+  </p:cSld>
+  <p:clrMapOvr>
+    <a:masterClrMapping/>
+  </p:clrMapOvr>
+</p:sld>
+</file>
+
+<file path=ppt/slides/slide7.xml><?xml version="1.0" encoding="utf-8"?>
+<p:sld xmlns:a="http://schemas.openxmlformats.org/drawingml/2006/main" xmlns:r="http://schemas.openxmlformats.org/officeDocument/2006/relationships" xmlns:p="http://schemas.openxmlformats.org/presentationml/2006/main">
+  <p:cSld>
+    <p:spTree>
+      <p:nvGrpSpPr>
+        <p:cNvPr id="1" name=""/>
+        <p:cNvGrpSpPr/>
+        <p:nvPr/>
+      </p:nvGrpSpPr>
+      <p:grpSpPr>
+        <a:xfrm>
+          <a:off x="0" y="0"/>
+          <a:ext cx="0" cy="0"/>
+          <a:chOff x="0" y="0"/>
+          <a:chExt cx="0" cy="0"/>
+        </a:xfrm>
+      </p:grpSpPr>
+      <p:sp>
+        <p:nvSpPr>
+          <p:cNvPr id="2" name="Title 1">
+            <a:extLst>
+              <a:ext uri="{FF2B5EF4-FFF2-40B4-BE49-F238E27FC236}">
+                <a16:creationId xmlns:a16="http://schemas.microsoft.com/office/drawing/2014/main" id="{353742A6-75FD-4EC6-8A58-4683CD99775E}"/>
+              </a:ext>
+            </a:extLst>
+          </p:cNvPr>
+          <p:cNvSpPr>
+            <a:spLocks noGrp="1"/>
+          </p:cNvSpPr>
+          <p:nvPr>
+            <p:ph type="title"/>
+          </p:nvPr>
+        </p:nvSpPr>
+        <p:spPr>
+          <a:xfrm>
+            <a:off x="384725" y="505248"/>
+            <a:ext cx="8073475" cy="738664"/>
+          </a:xfrm>
+        </p:spPr>
+        <p:txBody>
+          <a:bodyPr/>
+          <a:lstStyle/>
+          <a:p>
+            <a:r>
+              <a:rPr lang="en-US" sz="2400" b="1" dirty="0"/>
+              <a:t>What is </a:t>
+            </a:r>
+            <a:r>
+              <a:rPr lang="en-US" sz="2400" b="1" u="sng" dirty="0"/>
+              <a:t>Function Calling </a:t>
+            </a:r>
+            <a:r>
+              <a:rPr lang="en-US" sz="2400" b="1" dirty="0"/>
+              <a:t>in LLMs and Why it is useful?</a:t>
+            </a:r>
+          </a:p>
+        </p:txBody>
+      </p:sp>
+      <p:sp>
+        <p:nvSpPr>
+          <p:cNvPr id="3" name="TextBox 2">
+            <a:extLst>
+              <a:ext uri="{FF2B5EF4-FFF2-40B4-BE49-F238E27FC236}">
+                <a16:creationId xmlns:a16="http://schemas.microsoft.com/office/drawing/2014/main" id="{CA0F5FD9-4AC4-4E92-9DB9-03B3AA96178A}"/>
+              </a:ext>
+            </a:extLst>
+          </p:cNvPr>
+          <p:cNvSpPr txBox="1"/>
+          <p:nvPr/>
+        </p:nvSpPr>
+        <p:spPr>
+          <a:xfrm>
+            <a:off x="380525" y="1352550"/>
+            <a:ext cx="7620000" cy="2031325"/>
+          </a:xfrm>
+          <a:prstGeom prst="rect">
+            <a:avLst/>
+          </a:prstGeom>
+          <a:noFill/>
+        </p:spPr>
+        <p:txBody>
+          <a:bodyPr wrap="square" rtlCol="0">
+            <a:spAutoFit/>
+          </a:bodyPr>
+          <a:lstStyle/>
+          <a:p>
+            <a:pPr marL="742950" lvl="1" indent="-285750" algn="l">
+              <a:buFont typeface="+mj-lt"/>
+              <a:buAutoNum type="arabicPeriod"/>
+            </a:pPr>
+            <a:r>
+              <a:rPr lang="en-US" b="0" i="0" dirty="0">
+                <a:solidFill>
+                  <a:srgbClr val="374151"/>
+                </a:solidFill>
+                <a:effectLst/>
+                <a:latin typeface="Söhne"/>
+              </a:rPr>
+              <a:t>Function calling in LLMs like GPT-3.5 and GPT-4 refers to the ability to execute user-defined functions within the natural language processing framework.</a:t>
+            </a:r>
+          </a:p>
+          <a:p>
+            <a:pPr marL="742950" lvl="1" indent="-285750" algn="l">
+              <a:buFont typeface="+mj-lt"/>
+              <a:buAutoNum type="arabicPeriod"/>
+            </a:pPr>
+            <a:endParaRPr lang="en-US" b="0" i="0" dirty="0">
+              <a:solidFill>
+                <a:srgbClr val="374151"/>
+              </a:solidFill>
+              <a:effectLst/>
+              <a:latin typeface="Söhne"/>
+            </a:endParaRPr>
+          </a:p>
+          <a:p>
+            <a:pPr marL="742950" lvl="1" indent="-285750" algn="l">
+              <a:buFont typeface="+mj-lt"/>
+              <a:buAutoNum type="arabicPeriod"/>
+            </a:pPr>
+            <a:r>
+              <a:rPr lang="en-US" b="0" i="0" dirty="0">
+                <a:solidFill>
+                  <a:srgbClr val="374151"/>
+                </a:solidFill>
+                <a:effectLst/>
+                <a:latin typeface="Söhne"/>
+              </a:rPr>
+              <a:t>This capability allows the model to understand and act on specific prompts that resemble function-like instructions to return structured data.</a:t>
+            </a:r>
+          </a:p>
+        </p:txBody>
+      </p:sp>
+      <p:sp>
+        <p:nvSpPr>
+          <p:cNvPr id="4" name="TextBox 3">
+            <a:extLst>
+              <a:ext uri="{FF2B5EF4-FFF2-40B4-BE49-F238E27FC236}">
+                <a16:creationId xmlns:a16="http://schemas.microsoft.com/office/drawing/2014/main" id="{1BB212F7-F99B-4C15-B178-23BD472335AA}"/>
+              </a:ext>
+            </a:extLst>
+          </p:cNvPr>
+          <p:cNvSpPr txBox="1"/>
+          <p:nvPr/>
+        </p:nvSpPr>
+        <p:spPr>
+          <a:xfrm>
+            <a:off x="1904524" y="3714750"/>
+            <a:ext cx="5791675" cy="646331"/>
+          </a:xfrm>
+          <a:prstGeom prst="rect">
+            <a:avLst/>
+          </a:prstGeom>
+          <a:noFill/>
+          <a:ln w="38100">
+            <a:solidFill>
+              <a:schemeClr val="tx1"/>
+            </a:solidFill>
+          </a:ln>
+        </p:spPr>
+        <p:txBody>
+          <a:bodyPr wrap="square">
+            <a:spAutoFit/>
+          </a:bodyPr>
+          <a:lstStyle/>
+          <a:p>
+            <a:pPr algn="ctr"/>
+            <a:r>
+              <a:rPr lang="en-US" b="0" i="0" dirty="0">
+                <a:solidFill>
+                  <a:srgbClr val="374151"/>
+                </a:solidFill>
+                <a:effectLst/>
+                <a:latin typeface="Söhne"/>
+              </a:rPr>
+              <a:t>"Why is function calling necessary? Are there alternative solutions?"</a:t>
+            </a:r>
+          </a:p>
+        </p:txBody>
+      </p:sp>
+      <p:sp>
+        <p:nvSpPr>
+          <p:cNvPr id="5" name="TextBox 4">
+            <a:extLst>
+              <a:ext uri="{FF2B5EF4-FFF2-40B4-BE49-F238E27FC236}">
+                <a16:creationId xmlns:a16="http://schemas.microsoft.com/office/drawing/2014/main" id="{56FB06B3-1D2B-4F27-8B55-91AF5EB6DD67}"/>
+              </a:ext>
+            </a:extLst>
+          </p:cNvPr>
+          <p:cNvSpPr txBox="1"/>
+          <p:nvPr/>
+        </p:nvSpPr>
+        <p:spPr>
+          <a:xfrm>
+            <a:off x="384725" y="1352550"/>
+            <a:ext cx="7620000" cy="2031325"/>
+          </a:xfrm>
+          <a:prstGeom prst="rect">
+            <a:avLst/>
+          </a:prstGeom>
+          <a:noFill/>
+        </p:spPr>
+        <p:txBody>
+          <a:bodyPr wrap="square" rtlCol="0">
+            <a:spAutoFit/>
+          </a:bodyPr>
+          <a:lstStyle/>
+          <a:p>
+            <a:pPr marL="742950" lvl="1" indent="-285750" algn="l">
+              <a:buFont typeface="+mj-lt"/>
+              <a:buAutoNum type="arabicPeriod"/>
+            </a:pPr>
+            <a:r>
+              <a:rPr lang="en-US" b="0" i="0" dirty="0">
+                <a:solidFill>
+                  <a:srgbClr val="374151"/>
+                </a:solidFill>
+                <a:effectLst/>
+                <a:latin typeface="Söhne"/>
+              </a:rPr>
+              <a:t>Function calling in LLMs like GPT-3.5 and GPT-4 refers to the ability to execute user-defined functions within the natural language processing framework.</a:t>
+            </a:r>
+          </a:p>
+          <a:p>
+            <a:pPr marL="742950" lvl="1" indent="-285750" algn="l">
+              <a:buFont typeface="+mj-lt"/>
+              <a:buAutoNum type="arabicPeriod"/>
+            </a:pPr>
+            <a:endParaRPr lang="en-US" b="0" i="0" dirty="0">
+              <a:solidFill>
+                <a:srgbClr val="374151"/>
+              </a:solidFill>
+              <a:effectLst/>
+              <a:latin typeface="Söhne"/>
+            </a:endParaRPr>
+          </a:p>
+          <a:p>
+            <a:pPr marL="742950" lvl="1" indent="-285750" algn="l">
+              <a:buFont typeface="+mj-lt"/>
+              <a:buAutoNum type="arabicPeriod"/>
+            </a:pPr>
+            <a:r>
+              <a:rPr lang="en-US" b="0" i="0" dirty="0">
+                <a:solidFill>
+                  <a:srgbClr val="374151"/>
+                </a:solidFill>
+                <a:effectLst/>
+                <a:latin typeface="Söhne"/>
+              </a:rPr>
+              <a:t>This capability allows the model to understand and act on specific prompts that resemble function-like instructions to return structured data.</a:t>
+            </a:r>
+          </a:p>
+        </p:txBody>
+      </p:sp>
+    </p:spTree>
+    <p:extLst>
+      <p:ext uri="{BB962C8B-B14F-4D97-AF65-F5344CB8AC3E}">
+        <p14:creationId xmlns:p14="http://schemas.microsoft.com/office/powerpoint/2010/main" val="1511043205"/>
+      </p:ext>
+    </p:extLst>
+  </p:cSld>
+  <p:clrMapOvr>
+    <a:masterClrMapping/>
+  </p:clrMapOvr>
+</p:sld>
+</file>
+
+<file path=ppt/slides/slide8.xml><?xml version="1.0" encoding="utf-8"?>
+<p:sld xmlns:a="http://schemas.openxmlformats.org/drawingml/2006/main" xmlns:r="http://schemas.openxmlformats.org/officeDocument/2006/relationships" xmlns:p="http://schemas.openxmlformats.org/presentationml/2006/main">
+  <p:cSld>
+    <p:spTree>
+      <p:nvGrpSpPr>
+        <p:cNvPr id="1" name=""/>
+        <p:cNvGrpSpPr/>
+        <p:nvPr/>
+      </p:nvGrpSpPr>
+      <p:grpSpPr>
+        <a:xfrm>
+          <a:off x="0" y="0"/>
+          <a:ext cx="0" cy="0"/>
+          <a:chOff x="0" y="0"/>
+          <a:chExt cx="0" cy="0"/>
+        </a:xfrm>
+      </p:grpSpPr>
+      <p:sp>
+        <p:nvSpPr>
+          <p:cNvPr id="2" name="Title 1">
+            <a:extLst>
+              <a:ext uri="{FF2B5EF4-FFF2-40B4-BE49-F238E27FC236}">
+                <a16:creationId xmlns:a16="http://schemas.microsoft.com/office/drawing/2014/main" id="{353742A6-75FD-4EC6-8A58-4683CD99775E}"/>
+              </a:ext>
+            </a:extLst>
+          </p:cNvPr>
+          <p:cNvSpPr>
+            <a:spLocks noGrp="1"/>
+          </p:cNvSpPr>
+          <p:nvPr>
+            <p:ph type="title"/>
+          </p:nvPr>
+        </p:nvSpPr>
+        <p:spPr>
+          <a:xfrm>
+            <a:off x="304800" y="282029"/>
+            <a:ext cx="7419975" cy="384721"/>
+          </a:xfrm>
+        </p:spPr>
+        <p:txBody>
+          <a:bodyPr/>
+          <a:lstStyle/>
+          <a:p>
+            <a:r>
+              <a:rPr lang="en-US" b="1" dirty="0"/>
+              <a:t>Not </a:t>
+            </a:r>
+            <a:r>
+              <a:rPr lang="en-US" dirty="0"/>
+              <a:t>Effective Alternative</a:t>
+            </a:r>
+          </a:p>
+        </p:txBody>
+      </p:sp>
+      <p:pic>
+        <p:nvPicPr>
+          <p:cNvPr id="9" name="Picture 8">
+            <a:extLst>
+              <a:ext uri="{FF2B5EF4-FFF2-40B4-BE49-F238E27FC236}">
+                <a16:creationId xmlns:a16="http://schemas.microsoft.com/office/drawing/2014/main" id="{3380051A-4A3E-4443-A41F-60EE53617D62}"/>
+              </a:ext>
+            </a:extLst>
+          </p:cNvPr>
+          <p:cNvPicPr>
+            <a:picLocks noChangeAspect="1"/>
+          </p:cNvPicPr>
+          <p:nvPr/>
+        </p:nvPicPr>
+        <p:blipFill>
+          <a:blip r:embed="rId2"/>
+          <a:stretch>
+            <a:fillRect/>
+          </a:stretch>
+        </p:blipFill>
+        <p:spPr>
+          <a:xfrm>
+            <a:off x="2133600" y="895350"/>
+            <a:ext cx="5083033" cy="1619494"/>
+          </a:xfrm>
+          <a:prstGeom prst="rect">
+            <a:avLst/>
+          </a:prstGeom>
+        </p:spPr>
+      </p:pic>
+      <p:sp>
+        <p:nvSpPr>
+          <p:cNvPr id="11" name="TextBox 10">
+            <a:extLst>
+              <a:ext uri="{FF2B5EF4-FFF2-40B4-BE49-F238E27FC236}">
+                <a16:creationId xmlns:a16="http://schemas.microsoft.com/office/drawing/2014/main" id="{E10AEE45-4009-4F7D-BBA6-A113EBF439C5}"/>
+              </a:ext>
+            </a:extLst>
+          </p:cNvPr>
+          <p:cNvSpPr txBox="1"/>
+          <p:nvPr/>
+        </p:nvSpPr>
+        <p:spPr>
+          <a:xfrm>
+            <a:off x="5181598" y="2782588"/>
+            <a:ext cx="3962401" cy="923330"/>
+          </a:xfrm>
+          <a:prstGeom prst="rect">
+            <a:avLst/>
+          </a:prstGeom>
+          <a:noFill/>
+        </p:spPr>
+        <p:txBody>
+          <a:bodyPr wrap="square">
+            <a:spAutoFit/>
+          </a:bodyPr>
+          <a:lstStyle/>
+          <a:p>
+            <a:r>
+              <a:rPr lang="en-US" sz="900" b="0" dirty="0">
+                <a:effectLst/>
+                <a:latin typeface="Courier New" panose="02070309020205020404" pitchFamily="49" charset="0"/>
+              </a:rPr>
+              <a:t>"Ravi Patel is a sophomore majoring in computer science at the University of Michigan. He is South Asian Indian American and has a 3.7 GPA. Ravi is an active member of the university's Chess Club and the South Asian Student Association. He hopes to pursue a career in software engineering after graduating."</a:t>
+            </a:r>
+          </a:p>
+        </p:txBody>
+      </p:sp>
+      <p:sp>
+        <p:nvSpPr>
+          <p:cNvPr id="12" name="TextBox 11">
+            <a:extLst>
+              <a:ext uri="{FF2B5EF4-FFF2-40B4-BE49-F238E27FC236}">
+                <a16:creationId xmlns:a16="http://schemas.microsoft.com/office/drawing/2014/main" id="{F6097B32-BBDB-400D-9FA1-78CF8A13FF00}"/>
+              </a:ext>
+            </a:extLst>
+          </p:cNvPr>
+          <p:cNvSpPr txBox="1"/>
+          <p:nvPr/>
+        </p:nvSpPr>
+        <p:spPr>
+          <a:xfrm>
+            <a:off x="6265995" y="2542624"/>
+            <a:ext cx="1901275" cy="276999"/>
+          </a:xfrm>
+          <a:prstGeom prst="rect">
+            <a:avLst/>
+          </a:prstGeom>
+          <a:noFill/>
+        </p:spPr>
+        <p:txBody>
+          <a:bodyPr wrap="square" rtlCol="0">
+            <a:spAutoFit/>
+          </a:bodyPr>
+          <a:lstStyle/>
+          <a:p>
+            <a:pPr lvl="1" algn="l"/>
+            <a:r>
+              <a:rPr lang="en-US" sz="1200" b="0" i="0" dirty="0">
+                <a:solidFill>
+                  <a:srgbClr val="374151"/>
+                </a:solidFill>
+                <a:effectLst/>
+                <a:latin typeface="Söhne"/>
+              </a:rPr>
+              <a:t>Input 2</a:t>
+            </a:r>
+          </a:p>
+        </p:txBody>
+      </p:sp>
+      <p:sp>
+        <p:nvSpPr>
+          <p:cNvPr id="13" name="TextBox 12">
+            <a:extLst>
+              <a:ext uri="{FF2B5EF4-FFF2-40B4-BE49-F238E27FC236}">
+                <a16:creationId xmlns:a16="http://schemas.microsoft.com/office/drawing/2014/main" id="{1D3464A9-8415-49E9-B2E7-B581A3F4B330}"/>
+              </a:ext>
+            </a:extLst>
+          </p:cNvPr>
+          <p:cNvSpPr txBox="1"/>
+          <p:nvPr/>
+        </p:nvSpPr>
+        <p:spPr>
+          <a:xfrm>
+            <a:off x="152400" y="2815904"/>
+            <a:ext cx="3962400" cy="923330"/>
+          </a:xfrm>
+          <a:prstGeom prst="rect">
+            <a:avLst/>
+          </a:prstGeom>
+          <a:noFill/>
+        </p:spPr>
+        <p:txBody>
+          <a:bodyPr wrap="square">
+            <a:spAutoFit/>
+          </a:bodyPr>
+          <a:lstStyle/>
+          <a:p>
+            <a:r>
+              <a:rPr lang="en-US" sz="900" b="0" dirty="0">
+                <a:effectLst/>
+                <a:latin typeface="Courier New" panose="02070309020205020404" pitchFamily="49" charset="0"/>
+              </a:rPr>
+              <a:t>"Ravi Patel is a sophomore majoring in computer science at the University of Michigan. He is South Asian Indian American and has a 3.7 GPA. Ravi is an active member of the university's Chess Club and the South Asian Student Association. He hopes to pursue a career in software engineering after graduating."</a:t>
+            </a:r>
+          </a:p>
+        </p:txBody>
+      </p:sp>
+      <p:sp>
+        <p:nvSpPr>
+          <p:cNvPr id="14" name="TextBox 13">
+            <a:extLst>
+              <a:ext uri="{FF2B5EF4-FFF2-40B4-BE49-F238E27FC236}">
+                <a16:creationId xmlns:a16="http://schemas.microsoft.com/office/drawing/2014/main" id="{9572B388-53D4-48CF-ADCD-62E5E5AA413E}"/>
+              </a:ext>
+            </a:extLst>
+          </p:cNvPr>
+          <p:cNvSpPr txBox="1"/>
+          <p:nvPr/>
+        </p:nvSpPr>
+        <p:spPr>
+          <a:xfrm>
+            <a:off x="762000" y="2538905"/>
+            <a:ext cx="1647772" cy="276999"/>
+          </a:xfrm>
+          <a:prstGeom prst="rect">
+            <a:avLst/>
+          </a:prstGeom>
+          <a:noFill/>
+        </p:spPr>
+        <p:txBody>
+          <a:bodyPr wrap="square" rtlCol="0">
+            <a:spAutoFit/>
+          </a:bodyPr>
+          <a:lstStyle/>
+          <a:p>
+            <a:pPr lvl="1" algn="l"/>
+            <a:r>
+              <a:rPr lang="en-US" sz="1200" b="0" i="0" dirty="0">
+                <a:solidFill>
+                  <a:srgbClr val="374151"/>
+                </a:solidFill>
+                <a:effectLst/>
+                <a:latin typeface="Söhne"/>
+              </a:rPr>
+              <a:t>Input 1</a:t>
+            </a:r>
+          </a:p>
+        </p:txBody>
+      </p:sp>
+      <p:pic>
+        <p:nvPicPr>
+          <p:cNvPr id="16" name="Picture 15">
+            <a:extLst>
+              <a:ext uri="{FF2B5EF4-FFF2-40B4-BE49-F238E27FC236}">
+                <a16:creationId xmlns:a16="http://schemas.microsoft.com/office/drawing/2014/main" id="{2A1F1FE4-10D2-48AD-9CEE-D3C0847B76CB}"/>
+              </a:ext>
+            </a:extLst>
+          </p:cNvPr>
+          <p:cNvPicPr>
+            <a:picLocks noChangeAspect="1"/>
+          </p:cNvPicPr>
+          <p:nvPr/>
+        </p:nvPicPr>
+        <p:blipFill>
+          <a:blip r:embed="rId3"/>
+          <a:stretch>
+            <a:fillRect/>
+          </a:stretch>
+        </p:blipFill>
+        <p:spPr>
+          <a:xfrm>
+            <a:off x="228600" y="3889558"/>
+            <a:ext cx="3677836" cy="821644"/>
+          </a:xfrm>
+          <a:prstGeom prst="rect">
+            <a:avLst/>
+          </a:prstGeom>
+        </p:spPr>
+      </p:pic>
+      <p:pic>
+        <p:nvPicPr>
+          <p:cNvPr id="18" name="Picture 17">
+            <a:extLst>
+              <a:ext uri="{FF2B5EF4-FFF2-40B4-BE49-F238E27FC236}">
+                <a16:creationId xmlns:a16="http://schemas.microsoft.com/office/drawing/2014/main" id="{5E19E76F-84B4-4E16-AA73-E61AB64F67AA}"/>
+              </a:ext>
+            </a:extLst>
+          </p:cNvPr>
+          <p:cNvPicPr>
+            <a:picLocks noChangeAspect="1"/>
+          </p:cNvPicPr>
+          <p:nvPr/>
+        </p:nvPicPr>
+        <p:blipFill>
+          <a:blip r:embed="rId4"/>
+          <a:stretch>
+            <a:fillRect/>
+          </a:stretch>
+        </p:blipFill>
+        <p:spPr>
+          <a:xfrm>
+            <a:off x="5798700" y="3821334"/>
+            <a:ext cx="2728196" cy="1112616"/>
+          </a:xfrm>
+          <a:prstGeom prst="rect">
+            <a:avLst/>
+          </a:prstGeom>
+        </p:spPr>
+      </p:pic>
+      <p:sp>
+        <p:nvSpPr>
+          <p:cNvPr id="20" name="TextBox 19">
+            <a:extLst>
+              <a:ext uri="{FF2B5EF4-FFF2-40B4-BE49-F238E27FC236}">
+                <a16:creationId xmlns:a16="http://schemas.microsoft.com/office/drawing/2014/main" id="{A07B96AC-FA65-49BE-80B7-B9D238204CDE}"/>
+              </a:ext>
+            </a:extLst>
+          </p:cNvPr>
+          <p:cNvSpPr txBox="1"/>
+          <p:nvPr/>
+        </p:nvSpPr>
+        <p:spPr>
+          <a:xfrm>
+            <a:off x="118372" y="4916329"/>
+            <a:ext cx="4582800" cy="246221"/>
+          </a:xfrm>
+          <a:prstGeom prst="rect">
+            <a:avLst/>
+          </a:prstGeom>
+          <a:noFill/>
+        </p:spPr>
+        <p:txBody>
+          <a:bodyPr wrap="square">
+            <a:spAutoFit/>
+          </a:bodyPr>
+          <a:lstStyle/>
+          <a:p>
+            <a:r>
+              <a:rPr lang="en-US" sz="1000" b="0" i="0" dirty="0">
+                <a:solidFill>
+                  <a:srgbClr val="5D6A77"/>
+                </a:solidFill>
+                <a:effectLst/>
+                <a:latin typeface="JetBrainsMonoNL"/>
+              </a:rPr>
+              <a:t>Note: Responses were generated by gpt-3.5-turbo</a:t>
+            </a:r>
+            <a:endParaRPr lang="en-US" sz="1000" dirty="0"/>
+          </a:p>
+        </p:txBody>
+      </p:sp>
+      <p:cxnSp>
+        <p:nvCxnSpPr>
+          <p:cNvPr id="23" name="Straight Connector 22">
+            <a:extLst>
+              <a:ext uri="{FF2B5EF4-FFF2-40B4-BE49-F238E27FC236}">
+                <a16:creationId xmlns:a16="http://schemas.microsoft.com/office/drawing/2014/main" id="{70A51BDA-B34D-4D0B-BFDF-7641D8ED3A10}"/>
+              </a:ext>
+            </a:extLst>
+          </p:cNvPr>
+          <p:cNvCxnSpPr>
+            <a:cxnSpLocks/>
+          </p:cNvCxnSpPr>
+          <p:nvPr/>
+        </p:nvCxnSpPr>
+        <p:spPr>
+          <a:xfrm>
+            <a:off x="4701172" y="2813877"/>
+            <a:ext cx="0" cy="2151362"/>
+          </a:xfrm>
+          <a:prstGeom prst="line">
+            <a:avLst/>
+          </a:prstGeom>
+          <a:ln>
+            <a:prstDash val="dash"/>
+          </a:ln>
+        </p:spPr>
+        <p:style>
+          <a:lnRef idx="1">
+            <a:schemeClr val="dk1"/>
+          </a:lnRef>
+          <a:fillRef idx="0">
+            <a:schemeClr val="dk1"/>
+          </a:fillRef>
+          <a:effectRef idx="0">
+            <a:schemeClr val="dk1"/>
+          </a:effectRef>
+          <a:fontRef idx="minor">
+            <a:schemeClr val="tx1"/>
+          </a:fontRef>
+        </p:style>
+      </p:cxnSp>
+      <p:sp>
+        <p:nvSpPr>
+          <p:cNvPr id="22" name="TextBox 21">
+            <a:extLst>
+              <a:ext uri="{FF2B5EF4-FFF2-40B4-BE49-F238E27FC236}">
+                <a16:creationId xmlns:a16="http://schemas.microsoft.com/office/drawing/2014/main" id="{7C02D550-E485-4BCC-827A-248E0685A912}"/>
+              </a:ext>
+            </a:extLst>
+          </p:cNvPr>
+          <p:cNvSpPr txBox="1"/>
+          <p:nvPr/>
+        </p:nvSpPr>
+        <p:spPr>
+          <a:xfrm>
+            <a:off x="3996353" y="4146491"/>
+            <a:ext cx="1698936" cy="307777"/>
+          </a:xfrm>
+          <a:prstGeom prst="rect">
+            <a:avLst/>
+          </a:prstGeom>
+          <a:solidFill>
+            <a:schemeClr val="accent5">
+              <a:lumMod val="20000"/>
+              <a:lumOff val="80000"/>
+            </a:schemeClr>
+          </a:solidFill>
+        </p:spPr>
+        <p:txBody>
+          <a:bodyPr wrap="square">
+            <a:spAutoFit/>
+          </a:bodyPr>
+          <a:lstStyle/>
+          <a:p>
+            <a:r>
+              <a:rPr lang="en-US" sz="1400" b="0" i="1" dirty="0">
+                <a:solidFill>
+                  <a:srgbClr val="374151"/>
+                </a:solidFill>
+                <a:effectLst/>
+                <a:latin typeface="Söhne"/>
+              </a:rPr>
+              <a:t>What is difference?</a:t>
+            </a:r>
+          </a:p>
+        </p:txBody>
+      </p:sp>
+    </p:spTree>
+    <p:extLst>
+      <p:ext uri="{BB962C8B-B14F-4D97-AF65-F5344CB8AC3E}">
+        <p14:creationId xmlns:p14="http://schemas.microsoft.com/office/powerpoint/2010/main" val="120315214"/>
+      </p:ext>
+    </p:extLst>
+  </p:cSld>
+  <p:clrMapOvr>
+    <a:masterClrMapping/>
+  </p:clrMapOvr>
+</p:sld>
+</file>
+
+<file path=ppt/slides/slide9.xml><?xml version="1.0" encoding="utf-8"?>
+<p:sld xmlns:a="http://schemas.openxmlformats.org/drawingml/2006/main" xmlns:r="http://schemas.openxmlformats.org/officeDocument/2006/relationships" xmlns:p="http://schemas.openxmlformats.org/presentationml/2006/main">
+  <p:cSld>
+    <p:spTree>
+      <p:nvGrpSpPr>
+        <p:cNvPr id="1" name=""/>
+        <p:cNvGrpSpPr/>
+        <p:nvPr/>
+      </p:nvGrpSpPr>
+      <p:grpSpPr>
+        <a:xfrm>
+          <a:off x="0" y="0"/>
+          <a:ext cx="0" cy="0"/>
+          <a:chOff x="0" y="0"/>
+          <a:chExt cx="0" cy="0"/>
+        </a:xfrm>
+      </p:grpSpPr>
+      <p:sp>
+        <p:nvSpPr>
+          <p:cNvPr id="2" name="Title 1">
+            <a:extLst>
+              <a:ext uri="{FF2B5EF4-FFF2-40B4-BE49-F238E27FC236}">
+                <a16:creationId xmlns:a16="http://schemas.microsoft.com/office/drawing/2014/main" id="{353742A6-75FD-4EC6-8A58-4683CD99775E}"/>
+              </a:ext>
+            </a:extLst>
+          </p:cNvPr>
+          <p:cNvSpPr>
+            <a:spLocks noGrp="1"/>
+          </p:cNvSpPr>
+          <p:nvPr>
+            <p:ph type="title"/>
+          </p:nvPr>
+        </p:nvSpPr>
+        <p:spPr>
+          <a:xfrm>
+            <a:off x="384725" y="505248"/>
+            <a:ext cx="7419975" cy="384721"/>
+          </a:xfrm>
+        </p:spPr>
+        <p:txBody>
+          <a:bodyPr/>
+          <a:lstStyle/>
+          <a:p>
+            <a:r>
+              <a:rPr lang="en-US" b="1" dirty="0"/>
+              <a:t>Function Calling Benefits</a:t>
+            </a:r>
+          </a:p>
+        </p:txBody>
+      </p:sp>
+      <p:pic>
+        <p:nvPicPr>
+          <p:cNvPr id="6" name="Picture 5">
+            <a:extLst>
+              <a:ext uri="{FF2B5EF4-FFF2-40B4-BE49-F238E27FC236}">
+                <a16:creationId xmlns:a16="http://schemas.microsoft.com/office/drawing/2014/main" id="{0BB69F12-31C6-4615-BCD6-62E6DFD8F0B9}"/>
+              </a:ext>
+            </a:extLst>
+          </p:cNvPr>
+          <p:cNvPicPr>
+            <a:picLocks noChangeAspect="1"/>
+          </p:cNvPicPr>
+          <p:nvPr/>
+        </p:nvPicPr>
+        <p:blipFill>
+          <a:blip r:embed="rId2"/>
+          <a:stretch>
+            <a:fillRect/>
+          </a:stretch>
+        </p:blipFill>
+        <p:spPr>
+          <a:xfrm>
+            <a:off x="4426873" y="1200150"/>
+            <a:ext cx="4694327" cy="3071126"/>
+          </a:xfrm>
+          <a:prstGeom prst="rect">
+            <a:avLst/>
+          </a:prstGeom>
+        </p:spPr>
+      </p:pic>
+      <p:sp>
+        <p:nvSpPr>
+          <p:cNvPr id="8" name="TextBox 7">
+            <a:extLst>
+              <a:ext uri="{FF2B5EF4-FFF2-40B4-BE49-F238E27FC236}">
+                <a16:creationId xmlns:a16="http://schemas.microsoft.com/office/drawing/2014/main" id="{BC6A7BD4-77CC-459A-9EEF-904F930BDF84}"/>
+              </a:ext>
+            </a:extLst>
+          </p:cNvPr>
+          <p:cNvSpPr txBox="1"/>
+          <p:nvPr/>
+        </p:nvSpPr>
+        <p:spPr>
+          <a:xfrm>
+            <a:off x="228600" y="1504950"/>
+            <a:ext cx="3962400" cy="2893100"/>
+          </a:xfrm>
+          <a:prstGeom prst="rect">
+            <a:avLst/>
+          </a:prstGeom>
+          <a:noFill/>
+        </p:spPr>
+        <p:txBody>
+          <a:bodyPr wrap="square">
+            <a:spAutoFit/>
+          </a:bodyPr>
+          <a:lstStyle/>
+          <a:p>
+            <a:pPr algn="l"/>
+            <a:r>
+              <a:rPr lang="en-US" sz="1400" b="1" i="0" dirty="0">
+                <a:solidFill>
+                  <a:srgbClr val="374151"/>
+                </a:solidFill>
+                <a:effectLst/>
+                <a:latin typeface="Söhne"/>
+              </a:rPr>
+              <a:t>Benefits of Function Calling</a:t>
+            </a:r>
+            <a:r>
+              <a:rPr lang="en-US" sz="1400" b="0" i="0" dirty="0">
+                <a:solidFill>
+                  <a:srgbClr val="374151"/>
+                </a:solidFill>
+                <a:effectLst/>
+                <a:latin typeface="Söhne"/>
+              </a:rPr>
+              <a:t>:</a:t>
+            </a:r>
+          </a:p>
+          <a:p>
+            <a:pPr algn="l"/>
+            <a:endParaRPr lang="en-US" sz="1400" b="0" i="0" dirty="0">
+              <a:solidFill>
+                <a:srgbClr val="374151"/>
+              </a:solidFill>
+              <a:effectLst/>
+              <a:latin typeface="Söhne"/>
+            </a:endParaRPr>
+          </a:p>
+          <a:p>
+            <a:pPr algn="l">
+              <a:buFont typeface="Arial" panose="020B0604020202020204" pitchFamily="34" charset="0"/>
+              <a:buChar char="•"/>
+            </a:pPr>
+            <a:r>
+              <a:rPr lang="en-US" sz="1400" b="1" i="0" dirty="0">
+                <a:solidFill>
+                  <a:srgbClr val="374151"/>
+                </a:solidFill>
+                <a:effectLst/>
+                <a:latin typeface="Söhne"/>
+              </a:rPr>
+              <a:t>Structured Outputs</a:t>
+            </a:r>
+            <a:r>
+              <a:rPr lang="en-US" sz="1400" b="0" i="0" dirty="0">
+                <a:solidFill>
+                  <a:srgbClr val="374151"/>
+                </a:solidFill>
+                <a:effectLst/>
+                <a:latin typeface="Söhne"/>
+              </a:rPr>
+              <a:t>: Converts free-form text into organized formats like JSON, making it easier to integrate with existing databases and applications.</a:t>
+            </a:r>
+          </a:p>
+          <a:p>
+            <a:pPr algn="l"/>
+            <a:endParaRPr lang="en-US" sz="1400" b="0" i="0" dirty="0">
+              <a:solidFill>
+                <a:srgbClr val="374151"/>
+              </a:solidFill>
+              <a:effectLst/>
+              <a:latin typeface="Söhne"/>
+            </a:endParaRPr>
+          </a:p>
+          <a:p>
+            <a:pPr algn="l">
+              <a:buFont typeface="Arial" panose="020B0604020202020204" pitchFamily="34" charset="0"/>
+              <a:buChar char="•"/>
+            </a:pPr>
+            <a:r>
+              <a:rPr lang="en-US" sz="1400" b="1" i="0" dirty="0">
+                <a:solidFill>
+                  <a:srgbClr val="374151"/>
+                </a:solidFill>
+                <a:effectLst/>
+                <a:latin typeface="Söhne"/>
+              </a:rPr>
+              <a:t>Reduced Post-Processing</a:t>
+            </a:r>
+            <a:r>
+              <a:rPr lang="en-US" sz="1400" b="0" i="0" dirty="0">
+                <a:solidFill>
+                  <a:srgbClr val="374151"/>
+                </a:solidFill>
+                <a:effectLst/>
+                <a:latin typeface="Söhne"/>
+              </a:rPr>
+              <a:t>: Minimizes the need for regular expressions or additional parsing to interpret the model's output.</a:t>
+            </a:r>
+          </a:p>
+          <a:p>
+            <a:pPr algn="l"/>
+            <a:endParaRPr lang="en-US" sz="1400" b="0" i="0" dirty="0">
+              <a:solidFill>
+                <a:srgbClr val="374151"/>
+              </a:solidFill>
+              <a:effectLst/>
+              <a:latin typeface="Söhne"/>
+            </a:endParaRPr>
+          </a:p>
+          <a:p>
+            <a:pPr algn="l">
+              <a:buFont typeface="Arial" panose="020B0604020202020204" pitchFamily="34" charset="0"/>
+              <a:buChar char="•"/>
+            </a:pPr>
+            <a:r>
+              <a:rPr lang="en-US" sz="1400" b="1" i="0" dirty="0">
+                <a:solidFill>
+                  <a:srgbClr val="374151"/>
+                </a:solidFill>
+                <a:effectLst/>
+                <a:latin typeface="Söhne"/>
+              </a:rPr>
+              <a:t>Enhanced Developer Experience</a:t>
+            </a:r>
+            <a:r>
+              <a:rPr lang="en-US" sz="1400" b="0" i="0" dirty="0">
+                <a:solidFill>
+                  <a:srgbClr val="374151"/>
+                </a:solidFill>
+                <a:effectLst/>
+                <a:latin typeface="Söhne"/>
+              </a:rPr>
+              <a:t>: Streamlines the workflow for developers by allowing direct use of familiar structures and data types.</a:t>
+            </a:r>
+          </a:p>
+        </p:txBody>
+      </p:sp>
+    </p:spTree>
+    <p:extLst>
+      <p:ext uri="{BB962C8B-B14F-4D97-AF65-F5344CB8AC3E}">
+        <p14:creationId xmlns:p14="http://schemas.microsoft.com/office/powerpoint/2010/main" val="4017703166"/>
+      </p:ext>
+    </p:extLst>
   </p:cSld>
   <p:clrMapOvr>
     <a:masterClrMapping/>
